--- a/Dapr_1_Fundamentals/Dapr_1_Fundamentals.pptx
+++ b/Dapr_1_Fundamentals/Dapr_1_Fundamentals.pptx
@@ -104,6 +104,11 @@
       </a:defRPr>
     </a:lvl9pPr>
   </p:defaultTextStyle>
+  <p:extLst>
+    <p:ext uri="{EFAFB233-063F-42B5-8137-9DF3F51BA10A}">
+      <p15:sldGuideLst xmlns:p15="http://schemas.microsoft.com/office/powerpoint/2012/main"/>
+    </p:ext>
+  </p:extLst>
 </p:presentation>
 </file>
 
@@ -3342,12 +3347,1467 @@
           <a:chExt cx="0" cy="0"/>
         </a:xfrm>
       </p:grpSpPr>
+      <p:sp>
+        <p:nvSpPr>
+          <p:cNvPr id="49" name="직사각형 48">
+            <a:extLst>
+              <a:ext uri="{FF2B5EF4-FFF2-40B4-BE49-F238E27FC236}">
+                <a16:creationId xmlns:a16="http://schemas.microsoft.com/office/drawing/2014/main" id="{C40BFEF4-623D-B42C-DDC2-8E3A06ACEE8F}"/>
+              </a:ext>
+            </a:extLst>
+          </p:cNvPr>
+          <p:cNvSpPr/>
+          <p:nvPr/>
+        </p:nvSpPr>
+        <p:spPr>
+          <a:xfrm>
+            <a:off x="9244583" y="5805630"/>
+            <a:ext cx="978204" cy="893054"/>
+          </a:xfrm>
+          <a:prstGeom prst="rect">
+            <a:avLst/>
+          </a:prstGeom>
+          <a:solidFill>
+            <a:schemeClr val="accent6">
+              <a:lumMod val="20000"/>
+              <a:lumOff val="80000"/>
+            </a:schemeClr>
+          </a:solidFill>
+          <a:ln>
+            <a:solidFill>
+              <a:schemeClr val="accent6">
+                <a:lumMod val="20000"/>
+                <a:lumOff val="80000"/>
+              </a:schemeClr>
+            </a:solidFill>
+          </a:ln>
+        </p:spPr>
+        <p:style>
+          <a:lnRef idx="2">
+            <a:schemeClr val="accent1">
+              <a:shade val="50000"/>
+            </a:schemeClr>
+          </a:lnRef>
+          <a:fillRef idx="1">
+            <a:schemeClr val="accent1"/>
+          </a:fillRef>
+          <a:effectRef idx="0">
+            <a:schemeClr val="accent1"/>
+          </a:effectRef>
+          <a:fontRef idx="minor">
+            <a:schemeClr val="lt1"/>
+          </a:fontRef>
+        </p:style>
+        <p:txBody>
+          <a:bodyPr rtlCol="0" anchor="ctr"/>
+          <a:lstStyle/>
+          <a:p>
+            <a:pPr algn="ctr"/>
+            <a:endParaRPr lang="en-GB"/>
+          </a:p>
+        </p:txBody>
+      </p:sp>
+      <p:sp>
+        <p:nvSpPr>
+          <p:cNvPr id="47" name="직사각형 46">
+            <a:extLst>
+              <a:ext uri="{FF2B5EF4-FFF2-40B4-BE49-F238E27FC236}">
+                <a16:creationId xmlns:a16="http://schemas.microsoft.com/office/drawing/2014/main" id="{972666AA-EF7E-0B19-176E-DD1F65E43805}"/>
+              </a:ext>
+            </a:extLst>
+          </p:cNvPr>
+          <p:cNvSpPr/>
+          <p:nvPr/>
+        </p:nvSpPr>
+        <p:spPr>
+          <a:xfrm>
+            <a:off x="6641057" y="2692347"/>
+            <a:ext cx="562300" cy="459224"/>
+          </a:xfrm>
+          <a:prstGeom prst="rect">
+            <a:avLst/>
+          </a:prstGeom>
+          <a:solidFill>
+            <a:schemeClr val="accent6">
+              <a:lumMod val="20000"/>
+              <a:lumOff val="80000"/>
+            </a:schemeClr>
+          </a:solidFill>
+          <a:ln>
+            <a:solidFill>
+              <a:schemeClr val="accent6">
+                <a:lumMod val="20000"/>
+                <a:lumOff val="80000"/>
+              </a:schemeClr>
+            </a:solidFill>
+          </a:ln>
+        </p:spPr>
+        <p:style>
+          <a:lnRef idx="2">
+            <a:schemeClr val="accent1">
+              <a:shade val="50000"/>
+            </a:schemeClr>
+          </a:lnRef>
+          <a:fillRef idx="1">
+            <a:schemeClr val="accent1"/>
+          </a:fillRef>
+          <a:effectRef idx="0">
+            <a:schemeClr val="accent1"/>
+          </a:effectRef>
+          <a:fontRef idx="minor">
+            <a:schemeClr val="lt1"/>
+          </a:fontRef>
+        </p:style>
+        <p:txBody>
+          <a:bodyPr rtlCol="0" anchor="ctr"/>
+          <a:lstStyle/>
+          <a:p>
+            <a:pPr algn="ctr"/>
+            <a:endParaRPr lang="en-GB"/>
+          </a:p>
+        </p:txBody>
+      </p:sp>
+      <p:sp>
+        <p:nvSpPr>
+          <p:cNvPr id="30" name="직사각형 29">
+            <a:extLst>
+              <a:ext uri="{FF2B5EF4-FFF2-40B4-BE49-F238E27FC236}">
+                <a16:creationId xmlns:a16="http://schemas.microsoft.com/office/drawing/2014/main" id="{3C200D8D-A8B2-9A98-0771-21E86E8B1371}"/>
+              </a:ext>
+            </a:extLst>
+          </p:cNvPr>
+          <p:cNvSpPr/>
+          <p:nvPr/>
+        </p:nvSpPr>
+        <p:spPr>
+          <a:xfrm>
+            <a:off x="7814668" y="2692347"/>
+            <a:ext cx="1027842" cy="459224"/>
+          </a:xfrm>
+          <a:prstGeom prst="rect">
+            <a:avLst/>
+          </a:prstGeom>
+          <a:solidFill>
+            <a:schemeClr val="accent6">
+              <a:lumMod val="20000"/>
+              <a:lumOff val="80000"/>
+            </a:schemeClr>
+          </a:solidFill>
+          <a:ln>
+            <a:solidFill>
+              <a:schemeClr val="accent6">
+                <a:lumMod val="20000"/>
+                <a:lumOff val="80000"/>
+              </a:schemeClr>
+            </a:solidFill>
+          </a:ln>
+        </p:spPr>
+        <p:style>
+          <a:lnRef idx="2">
+            <a:schemeClr val="accent1">
+              <a:shade val="50000"/>
+            </a:schemeClr>
+          </a:lnRef>
+          <a:fillRef idx="1">
+            <a:schemeClr val="accent1"/>
+          </a:fillRef>
+          <a:effectRef idx="0">
+            <a:schemeClr val="accent1"/>
+          </a:effectRef>
+          <a:fontRef idx="minor">
+            <a:schemeClr val="lt1"/>
+          </a:fontRef>
+        </p:style>
+        <p:txBody>
+          <a:bodyPr rtlCol="0" anchor="ctr"/>
+          <a:lstStyle/>
+          <a:p>
+            <a:pPr algn="ctr"/>
+            <a:endParaRPr lang="en-GB"/>
+          </a:p>
+        </p:txBody>
+      </p:sp>
+      <p:sp>
+        <p:nvSpPr>
+          <p:cNvPr id="29" name="직사각형 28">
+            <a:extLst>
+              <a:ext uri="{FF2B5EF4-FFF2-40B4-BE49-F238E27FC236}">
+                <a16:creationId xmlns:a16="http://schemas.microsoft.com/office/drawing/2014/main" id="{9C3D3379-1B33-7B5F-9367-5A782B72FB43}"/>
+              </a:ext>
+            </a:extLst>
+          </p:cNvPr>
+          <p:cNvSpPr/>
+          <p:nvPr/>
+        </p:nvSpPr>
+        <p:spPr>
+          <a:xfrm>
+            <a:off x="2147398" y="2120319"/>
+            <a:ext cx="2084371" cy="459224"/>
+          </a:xfrm>
+          <a:prstGeom prst="rect">
+            <a:avLst/>
+          </a:prstGeom>
+          <a:solidFill>
+            <a:schemeClr val="accent6">
+              <a:lumMod val="20000"/>
+              <a:lumOff val="80000"/>
+            </a:schemeClr>
+          </a:solidFill>
+          <a:ln>
+            <a:solidFill>
+              <a:schemeClr val="accent6">
+                <a:lumMod val="20000"/>
+                <a:lumOff val="80000"/>
+              </a:schemeClr>
+            </a:solidFill>
+          </a:ln>
+        </p:spPr>
+        <p:style>
+          <a:lnRef idx="2">
+            <a:schemeClr val="accent1">
+              <a:shade val="50000"/>
+            </a:schemeClr>
+          </a:lnRef>
+          <a:fillRef idx="1">
+            <a:schemeClr val="accent1"/>
+          </a:fillRef>
+          <a:effectRef idx="0">
+            <a:schemeClr val="accent1"/>
+          </a:effectRef>
+          <a:fontRef idx="minor">
+            <a:schemeClr val="lt1"/>
+          </a:fontRef>
+        </p:style>
+        <p:txBody>
+          <a:bodyPr rtlCol="0" anchor="ctr"/>
+          <a:lstStyle/>
+          <a:p>
+            <a:pPr algn="ctr"/>
+            <a:endParaRPr lang="en-GB"/>
+          </a:p>
+        </p:txBody>
+      </p:sp>
+      <p:sp>
+        <p:nvSpPr>
+          <p:cNvPr id="17" name="직사각형 16">
+            <a:extLst>
+              <a:ext uri="{FF2B5EF4-FFF2-40B4-BE49-F238E27FC236}">
+                <a16:creationId xmlns:a16="http://schemas.microsoft.com/office/drawing/2014/main" id="{A0BA38FB-5605-405F-66B5-607410BF4196}"/>
+              </a:ext>
+            </a:extLst>
+          </p:cNvPr>
+          <p:cNvSpPr/>
+          <p:nvPr/>
+        </p:nvSpPr>
+        <p:spPr>
+          <a:xfrm>
+            <a:off x="2147399" y="3754797"/>
+            <a:ext cx="2084371" cy="719998"/>
+          </a:xfrm>
+          <a:prstGeom prst="rect">
+            <a:avLst/>
+          </a:prstGeom>
+          <a:solidFill>
+            <a:schemeClr val="accent4">
+              <a:lumMod val="20000"/>
+              <a:lumOff val="80000"/>
+            </a:schemeClr>
+          </a:solidFill>
+          <a:ln>
+            <a:solidFill>
+              <a:schemeClr val="accent4">
+                <a:lumMod val="20000"/>
+                <a:lumOff val="80000"/>
+              </a:schemeClr>
+            </a:solidFill>
+          </a:ln>
+        </p:spPr>
+        <p:style>
+          <a:lnRef idx="2">
+            <a:schemeClr val="accent1">
+              <a:shade val="50000"/>
+            </a:schemeClr>
+          </a:lnRef>
+          <a:fillRef idx="1">
+            <a:schemeClr val="accent1"/>
+          </a:fillRef>
+          <a:effectRef idx="0">
+            <a:schemeClr val="accent1"/>
+          </a:effectRef>
+          <a:fontRef idx="minor">
+            <a:schemeClr val="lt1"/>
+          </a:fontRef>
+        </p:style>
+        <p:txBody>
+          <a:bodyPr rtlCol="0" anchor="ctr"/>
+          <a:lstStyle/>
+          <a:p>
+            <a:pPr algn="ctr"/>
+            <a:endParaRPr lang="en-GB"/>
+          </a:p>
+        </p:txBody>
+      </p:sp>
+      <p:sp>
+        <p:nvSpPr>
+          <p:cNvPr id="18" name="직사각형 17">
+            <a:extLst>
+              <a:ext uri="{FF2B5EF4-FFF2-40B4-BE49-F238E27FC236}">
+                <a16:creationId xmlns:a16="http://schemas.microsoft.com/office/drawing/2014/main" id="{0D002B15-45F0-27C0-9079-D3E7739727C4}"/>
+              </a:ext>
+            </a:extLst>
+          </p:cNvPr>
+          <p:cNvSpPr/>
+          <p:nvPr/>
+        </p:nvSpPr>
+        <p:spPr>
+          <a:xfrm>
+            <a:off x="2928233" y="529850"/>
+            <a:ext cx="1426822" cy="533351"/>
+          </a:xfrm>
+          <a:prstGeom prst="rect">
+            <a:avLst/>
+          </a:prstGeom>
+          <a:solidFill>
+            <a:schemeClr val="accent4">
+              <a:lumMod val="20000"/>
+              <a:lumOff val="80000"/>
+            </a:schemeClr>
+          </a:solidFill>
+          <a:ln>
+            <a:solidFill>
+              <a:schemeClr val="accent4">
+                <a:lumMod val="20000"/>
+                <a:lumOff val="80000"/>
+              </a:schemeClr>
+            </a:solidFill>
+          </a:ln>
+        </p:spPr>
+        <p:style>
+          <a:lnRef idx="2">
+            <a:schemeClr val="accent1">
+              <a:shade val="50000"/>
+            </a:schemeClr>
+          </a:lnRef>
+          <a:fillRef idx="1">
+            <a:schemeClr val="accent1"/>
+          </a:fillRef>
+          <a:effectRef idx="0">
+            <a:schemeClr val="accent1"/>
+          </a:effectRef>
+          <a:fontRef idx="minor">
+            <a:schemeClr val="lt1"/>
+          </a:fontRef>
+        </p:style>
+        <p:txBody>
+          <a:bodyPr rtlCol="0" anchor="ctr"/>
+          <a:lstStyle/>
+          <a:p>
+            <a:pPr algn="ctr"/>
+            <a:endParaRPr lang="en-GB"/>
+          </a:p>
+        </p:txBody>
+      </p:sp>
+      <p:sp>
+        <p:nvSpPr>
+          <p:cNvPr id="16" name="직사각형 15">
+            <a:extLst>
+              <a:ext uri="{FF2B5EF4-FFF2-40B4-BE49-F238E27FC236}">
+                <a16:creationId xmlns:a16="http://schemas.microsoft.com/office/drawing/2014/main" id="{3C897C86-4AE4-37BB-0ACA-A40C05ADD2D8}"/>
+              </a:ext>
+            </a:extLst>
+          </p:cNvPr>
+          <p:cNvSpPr/>
+          <p:nvPr/>
+        </p:nvSpPr>
+        <p:spPr>
+          <a:xfrm>
+            <a:off x="7419536" y="5805630"/>
+            <a:ext cx="1780972" cy="893054"/>
+          </a:xfrm>
+          <a:prstGeom prst="rect">
+            <a:avLst/>
+          </a:prstGeom>
+          <a:solidFill>
+            <a:schemeClr val="accent4">
+              <a:lumMod val="20000"/>
+              <a:lumOff val="80000"/>
+            </a:schemeClr>
+          </a:solidFill>
+          <a:ln>
+            <a:solidFill>
+              <a:schemeClr val="accent4">
+                <a:lumMod val="20000"/>
+                <a:lumOff val="80000"/>
+              </a:schemeClr>
+            </a:solidFill>
+          </a:ln>
+        </p:spPr>
+        <p:style>
+          <a:lnRef idx="2">
+            <a:schemeClr val="accent1">
+              <a:shade val="50000"/>
+            </a:schemeClr>
+          </a:lnRef>
+          <a:fillRef idx="1">
+            <a:schemeClr val="accent1"/>
+          </a:fillRef>
+          <a:effectRef idx="0">
+            <a:schemeClr val="accent1"/>
+          </a:effectRef>
+          <a:fontRef idx="minor">
+            <a:schemeClr val="lt1"/>
+          </a:fontRef>
+        </p:style>
+        <p:txBody>
+          <a:bodyPr rtlCol="0" anchor="ctr"/>
+          <a:lstStyle/>
+          <a:p>
+            <a:pPr algn="ctr"/>
+            <a:endParaRPr lang="en-GB"/>
+          </a:p>
+        </p:txBody>
+      </p:sp>
+      <p:sp>
+        <p:nvSpPr>
+          <p:cNvPr id="7" name="TextBox 6">
+            <a:extLst>
+              <a:ext uri="{FF2B5EF4-FFF2-40B4-BE49-F238E27FC236}">
+                <a16:creationId xmlns:a16="http://schemas.microsoft.com/office/drawing/2014/main" id="{A60DF924-E876-41FB-6584-4DBBDD812577}"/>
+              </a:ext>
+            </a:extLst>
+          </p:cNvPr>
+          <p:cNvSpPr txBox="1"/>
+          <p:nvPr/>
+        </p:nvSpPr>
+        <p:spPr>
+          <a:xfrm>
+            <a:off x="276215" y="625155"/>
+            <a:ext cx="4190572" cy="307777"/>
+          </a:xfrm>
+          <a:prstGeom prst="rect">
+            <a:avLst/>
+          </a:prstGeom>
+          <a:noFill/>
+        </p:spPr>
+        <p:txBody>
+          <a:bodyPr wrap="square">
+            <a:spAutoFit/>
+          </a:bodyPr>
+          <a:lstStyle/>
+          <a:p>
+            <a:r>
+              <a:rPr lang="en-GB" sz="1400" dirty="0"/>
+              <a:t>%USERPROFILE%\.</a:t>
+            </a:r>
+            <a:r>
+              <a:rPr lang="en-GB" sz="1400" dirty="0" err="1"/>
+              <a:t>dapr</a:t>
+            </a:r>
+            <a:r>
+              <a:rPr lang="en-GB" sz="1400" dirty="0"/>
+              <a:t>\components\</a:t>
+            </a:r>
+            <a:r>
+              <a:rPr lang="en-GB" sz="1400" b="1" dirty="0" err="1">
+                <a:solidFill>
+                  <a:srgbClr val="0070C0"/>
+                </a:solidFill>
+              </a:rPr>
+              <a:t>statestore.yaml</a:t>
+            </a:r>
+            <a:endParaRPr lang="en-GB" sz="1400" b="1" dirty="0">
+              <a:solidFill>
+                <a:srgbClr val="0070C0"/>
+              </a:solidFill>
+            </a:endParaRPr>
+          </a:p>
+        </p:txBody>
+      </p:sp>
+      <p:sp>
+        <p:nvSpPr>
+          <p:cNvPr id="11" name="TextBox 10">
+            <a:extLst>
+              <a:ext uri="{FF2B5EF4-FFF2-40B4-BE49-F238E27FC236}">
+                <a16:creationId xmlns:a16="http://schemas.microsoft.com/office/drawing/2014/main" id="{BB29BC39-C03B-784C-DB49-48C6FCC265A7}"/>
+              </a:ext>
+            </a:extLst>
+          </p:cNvPr>
+          <p:cNvSpPr txBox="1"/>
+          <p:nvPr/>
+        </p:nvSpPr>
+        <p:spPr>
+          <a:xfrm>
+            <a:off x="2147400" y="1157999"/>
+            <a:ext cx="2377179" cy="4583242"/>
+          </a:xfrm>
+          <a:prstGeom prst="rect">
+            <a:avLst/>
+          </a:prstGeom>
+          <a:noFill/>
+        </p:spPr>
+        <p:txBody>
+          <a:bodyPr wrap="square">
+            <a:spAutoFit/>
+          </a:bodyPr>
+          <a:lstStyle/>
+          <a:p>
+            <a:pPr>
+              <a:lnSpc>
+                <a:spcPct val="150000"/>
+              </a:lnSpc>
+            </a:pPr>
+            <a:r>
+              <a:rPr lang="en-GB" sz="1400" dirty="0" err="1"/>
+              <a:t>apiVersion</a:t>
+            </a:r>
+            <a:r>
+              <a:rPr lang="en-GB" sz="1400" dirty="0"/>
+              <a:t>: dapr.io/v1alpha1</a:t>
+            </a:r>
+          </a:p>
+          <a:p>
+            <a:pPr>
+              <a:lnSpc>
+                <a:spcPct val="150000"/>
+              </a:lnSpc>
+            </a:pPr>
+            <a:r>
+              <a:rPr lang="en-GB" sz="1400" dirty="0"/>
+              <a:t>kind: Component</a:t>
+            </a:r>
+          </a:p>
+          <a:p>
+            <a:pPr>
+              <a:lnSpc>
+                <a:spcPct val="150000"/>
+              </a:lnSpc>
+            </a:pPr>
+            <a:r>
+              <a:rPr lang="en-GB" sz="1400" dirty="0"/>
+              <a:t>metadata:</a:t>
+            </a:r>
+          </a:p>
+          <a:p>
+            <a:pPr>
+              <a:lnSpc>
+                <a:spcPct val="150000"/>
+              </a:lnSpc>
+            </a:pPr>
+            <a:r>
+              <a:rPr lang="en-GB" sz="1400" dirty="0"/>
+              <a:t>  </a:t>
+            </a:r>
+            <a:r>
+              <a:rPr lang="en-GB" sz="1400" b="1" dirty="0">
+                <a:solidFill>
+                  <a:srgbClr val="0070C0"/>
+                </a:solidFill>
+              </a:rPr>
+              <a:t>name: </a:t>
+            </a:r>
+            <a:r>
+              <a:rPr lang="en-GB" sz="1400" b="1" dirty="0" err="1">
+                <a:solidFill>
+                  <a:srgbClr val="0070C0"/>
+                </a:solidFill>
+              </a:rPr>
+              <a:t>statestore</a:t>
+            </a:r>
+            <a:endParaRPr lang="en-GB" sz="1400" b="1" dirty="0">
+              <a:solidFill>
+                <a:srgbClr val="0070C0"/>
+              </a:solidFill>
+            </a:endParaRPr>
+          </a:p>
+          <a:p>
+            <a:pPr>
+              <a:lnSpc>
+                <a:spcPct val="150000"/>
+              </a:lnSpc>
+            </a:pPr>
+            <a:r>
+              <a:rPr lang="en-GB" sz="1400" dirty="0"/>
+              <a:t>spec:</a:t>
+            </a:r>
+          </a:p>
+          <a:p>
+            <a:pPr>
+              <a:lnSpc>
+                <a:spcPct val="150000"/>
+              </a:lnSpc>
+            </a:pPr>
+            <a:r>
+              <a:rPr lang="en-GB" sz="1400" dirty="0"/>
+              <a:t>  </a:t>
+            </a:r>
+            <a:r>
+              <a:rPr lang="en-GB" sz="1400" b="1" dirty="0">
+                <a:solidFill>
+                  <a:srgbClr val="0070C0"/>
+                </a:solidFill>
+              </a:rPr>
+              <a:t>type: </a:t>
+            </a:r>
+            <a:r>
+              <a:rPr lang="en-GB" sz="1400" b="1" dirty="0" err="1">
+                <a:solidFill>
+                  <a:srgbClr val="0070C0"/>
+                </a:solidFill>
+              </a:rPr>
+              <a:t>state.redis</a:t>
+            </a:r>
+            <a:endParaRPr lang="en-GB" sz="1400" b="1" dirty="0">
+              <a:solidFill>
+                <a:srgbClr val="0070C0"/>
+              </a:solidFill>
+            </a:endParaRPr>
+          </a:p>
+          <a:p>
+            <a:pPr>
+              <a:lnSpc>
+                <a:spcPct val="150000"/>
+              </a:lnSpc>
+            </a:pPr>
+            <a:r>
+              <a:rPr lang="en-GB" sz="1400" dirty="0"/>
+              <a:t>  version: v1</a:t>
+            </a:r>
+          </a:p>
+          <a:p>
+            <a:pPr>
+              <a:lnSpc>
+                <a:spcPct val="150000"/>
+              </a:lnSpc>
+            </a:pPr>
+            <a:r>
+              <a:rPr lang="en-GB" sz="1400" dirty="0"/>
+              <a:t>  metadata:</a:t>
+            </a:r>
+          </a:p>
+          <a:p>
+            <a:pPr>
+              <a:lnSpc>
+                <a:spcPct val="150000"/>
+              </a:lnSpc>
+            </a:pPr>
+            <a:r>
+              <a:rPr lang="en-GB" sz="1400" dirty="0"/>
+              <a:t>  </a:t>
+            </a:r>
+            <a:r>
+              <a:rPr lang="en-GB" sz="1400" b="1" dirty="0">
+                <a:solidFill>
+                  <a:srgbClr val="0070C0"/>
+                </a:solidFill>
+              </a:rPr>
+              <a:t>- name: </a:t>
+            </a:r>
+            <a:r>
+              <a:rPr lang="en-GB" sz="1400" b="1" dirty="0" err="1">
+                <a:solidFill>
+                  <a:srgbClr val="0070C0"/>
+                </a:solidFill>
+              </a:rPr>
+              <a:t>redisHost</a:t>
+            </a:r>
+            <a:endParaRPr lang="en-GB" sz="1400" b="1" dirty="0">
+              <a:solidFill>
+                <a:srgbClr val="0070C0"/>
+              </a:solidFill>
+            </a:endParaRPr>
+          </a:p>
+          <a:p>
+            <a:pPr>
+              <a:lnSpc>
+                <a:spcPct val="150000"/>
+              </a:lnSpc>
+            </a:pPr>
+            <a:r>
+              <a:rPr lang="en-GB" sz="1400" b="1" dirty="0">
+                <a:solidFill>
+                  <a:srgbClr val="0070C0"/>
+                </a:solidFill>
+              </a:rPr>
+              <a:t>    value: localhost:6379</a:t>
+            </a:r>
+          </a:p>
+          <a:p>
+            <a:pPr>
+              <a:lnSpc>
+                <a:spcPct val="150000"/>
+              </a:lnSpc>
+            </a:pPr>
+            <a:r>
+              <a:rPr lang="en-GB" sz="1400" dirty="0"/>
+              <a:t>  - name: </a:t>
+            </a:r>
+            <a:r>
+              <a:rPr lang="en-GB" sz="1400" dirty="0" err="1"/>
+              <a:t>redisPassword</a:t>
+            </a:r>
+            <a:endParaRPr lang="en-GB" sz="1400" dirty="0"/>
+          </a:p>
+          <a:p>
+            <a:pPr>
+              <a:lnSpc>
+                <a:spcPct val="150000"/>
+              </a:lnSpc>
+            </a:pPr>
+            <a:r>
+              <a:rPr lang="en-GB" sz="1400" dirty="0"/>
+              <a:t>    value: ""</a:t>
+            </a:r>
+          </a:p>
+          <a:p>
+            <a:pPr>
+              <a:lnSpc>
+                <a:spcPct val="150000"/>
+              </a:lnSpc>
+            </a:pPr>
+            <a:r>
+              <a:rPr lang="en-GB" sz="1400" dirty="0"/>
+              <a:t>  - name: </a:t>
+            </a:r>
+            <a:r>
+              <a:rPr lang="en-GB" sz="1400" dirty="0" err="1"/>
+              <a:t>actorStateStore</a:t>
+            </a:r>
+            <a:endParaRPr lang="en-GB" sz="1400" dirty="0"/>
+          </a:p>
+          <a:p>
+            <a:pPr>
+              <a:lnSpc>
+                <a:spcPct val="150000"/>
+              </a:lnSpc>
+            </a:pPr>
+            <a:r>
+              <a:rPr lang="en-GB" sz="1400" dirty="0"/>
+              <a:t>    value: "true"</a:t>
+            </a:r>
+          </a:p>
+        </p:txBody>
+      </p:sp>
+      <p:sp>
+        <p:nvSpPr>
+          <p:cNvPr id="15" name="TextBox 14">
+            <a:extLst>
+              <a:ext uri="{FF2B5EF4-FFF2-40B4-BE49-F238E27FC236}">
+                <a16:creationId xmlns:a16="http://schemas.microsoft.com/office/drawing/2014/main" id="{B10CDD51-3CE5-7985-32D3-74D980D534DD}"/>
+              </a:ext>
+            </a:extLst>
+          </p:cNvPr>
+          <p:cNvSpPr txBox="1"/>
+          <p:nvPr/>
+        </p:nvSpPr>
+        <p:spPr>
+          <a:xfrm>
+            <a:off x="2011477" y="5899528"/>
+            <a:ext cx="8331057" cy="705258"/>
+          </a:xfrm>
+          <a:prstGeom prst="rect">
+            <a:avLst/>
+          </a:prstGeom>
+          <a:noFill/>
+        </p:spPr>
+        <p:txBody>
+          <a:bodyPr wrap="square">
+            <a:spAutoFit/>
+          </a:bodyPr>
+          <a:lstStyle/>
+          <a:p>
+            <a:pPr>
+              <a:lnSpc>
+                <a:spcPct val="150000"/>
+              </a:lnSpc>
+            </a:pPr>
+            <a:r>
+              <a:rPr lang="en-GB" sz="1400" dirty="0"/>
+              <a:t> CONTAINER ID    IMAGE  COMMAND                       CREATED      STATUS         </a:t>
+            </a:r>
+            <a:r>
+              <a:rPr lang="en-GB" sz="1400" b="1" dirty="0">
+                <a:solidFill>
+                  <a:srgbClr val="0070C0"/>
+                </a:solidFill>
+              </a:rPr>
+              <a:t>PORTS </a:t>
+            </a:r>
+            <a:r>
+              <a:rPr lang="en-GB" sz="1400" dirty="0"/>
+              <a:t>                                   </a:t>
+            </a:r>
+            <a:r>
+              <a:rPr lang="en-GB" sz="1400" b="1" dirty="0">
+                <a:solidFill>
+                  <a:srgbClr val="0070C0"/>
+                </a:solidFill>
+              </a:rPr>
+              <a:t>NAMES</a:t>
+            </a:r>
+          </a:p>
+          <a:p>
+            <a:pPr>
+              <a:lnSpc>
+                <a:spcPct val="150000"/>
+              </a:lnSpc>
+            </a:pPr>
+            <a:r>
+              <a:rPr lang="en-GB" sz="1400" dirty="0"/>
+              <a:t>  91b711910116  </a:t>
+            </a:r>
+            <a:r>
+              <a:rPr lang="en-GB" sz="1400" dirty="0" err="1"/>
+              <a:t>redis</a:t>
+            </a:r>
+            <a:r>
+              <a:rPr lang="en-GB" sz="1400" dirty="0"/>
+              <a:t>     "docker-</a:t>
+            </a:r>
+            <a:r>
+              <a:rPr lang="en-GB" sz="1400" dirty="0" err="1"/>
+              <a:t>entrypoint.s</a:t>
+            </a:r>
+            <a:r>
+              <a:rPr lang="en-GB" sz="1400" dirty="0"/>
+              <a:t>…"  6 hours ago  Up 6 hours  </a:t>
+            </a:r>
+            <a:r>
+              <a:rPr lang="en-GB" sz="1400" b="1" dirty="0">
+                <a:solidFill>
+                  <a:srgbClr val="0070C0"/>
+                </a:solidFill>
+              </a:rPr>
+              <a:t>0.0.0.0:6379-&gt;6379/</a:t>
+            </a:r>
+            <a:r>
+              <a:rPr lang="en-GB" sz="1400" b="1" dirty="0" err="1">
+                <a:solidFill>
+                  <a:srgbClr val="0070C0"/>
+                </a:solidFill>
+              </a:rPr>
+              <a:t>tcp</a:t>
+            </a:r>
+            <a:r>
+              <a:rPr lang="en-GB" sz="1400" b="1" dirty="0">
+                <a:solidFill>
+                  <a:srgbClr val="0070C0"/>
+                </a:solidFill>
+              </a:rPr>
+              <a:t>    </a:t>
+            </a:r>
+            <a:r>
+              <a:rPr lang="en-GB" sz="1400" b="1" dirty="0" err="1">
+                <a:solidFill>
+                  <a:srgbClr val="0070C0"/>
+                </a:solidFill>
+              </a:rPr>
+              <a:t>dapr_redis</a:t>
+            </a:r>
+            <a:endParaRPr lang="en-GB" sz="1400" b="1" dirty="0">
+              <a:solidFill>
+                <a:srgbClr val="0070C0"/>
+              </a:solidFill>
+            </a:endParaRPr>
+          </a:p>
+        </p:txBody>
+      </p:sp>
+      <p:cxnSp>
+        <p:nvCxnSpPr>
+          <p:cNvPr id="20" name="직선 화살표 연결선 19">
+            <a:extLst>
+              <a:ext uri="{FF2B5EF4-FFF2-40B4-BE49-F238E27FC236}">
+                <a16:creationId xmlns:a16="http://schemas.microsoft.com/office/drawing/2014/main" id="{11DD0E21-CFEA-AA1B-B5C6-657DAE1C3B41}"/>
+              </a:ext>
+            </a:extLst>
+          </p:cNvPr>
+          <p:cNvCxnSpPr>
+            <a:cxnSpLocks/>
+            <a:stCxn id="18" idx="2"/>
+          </p:cNvCxnSpPr>
+          <p:nvPr/>
+        </p:nvCxnSpPr>
+        <p:spPr>
+          <a:xfrm flipH="1">
+            <a:off x="3601092" y="1063201"/>
+            <a:ext cx="40552" cy="2672676"/>
+          </a:xfrm>
+          <a:prstGeom prst="straightConnector1">
+            <a:avLst/>
+          </a:prstGeom>
+          <a:ln w="57150">
+            <a:solidFill>
+              <a:srgbClr val="0070C0"/>
+            </a:solidFill>
+            <a:tailEnd type="triangle"/>
+          </a:ln>
+        </p:spPr>
+        <p:style>
+          <a:lnRef idx="1">
+            <a:schemeClr val="accent1"/>
+          </a:lnRef>
+          <a:fillRef idx="0">
+            <a:schemeClr val="accent1"/>
+          </a:fillRef>
+          <a:effectRef idx="0">
+            <a:schemeClr val="accent1"/>
+          </a:effectRef>
+          <a:fontRef idx="minor">
+            <a:schemeClr val="tx1"/>
+          </a:fontRef>
+        </p:style>
+      </p:cxnSp>
+      <p:cxnSp>
+        <p:nvCxnSpPr>
+          <p:cNvPr id="22" name="연결선: 꺾임 21">
+            <a:extLst>
+              <a:ext uri="{FF2B5EF4-FFF2-40B4-BE49-F238E27FC236}">
+                <a16:creationId xmlns:a16="http://schemas.microsoft.com/office/drawing/2014/main" id="{89B99396-0023-A2EE-50B2-44CE7A9D138E}"/>
+              </a:ext>
+            </a:extLst>
+          </p:cNvPr>
+          <p:cNvCxnSpPr>
+            <a:cxnSpLocks/>
+            <a:stCxn id="17" idx="3"/>
+            <a:endCxn id="16" idx="0"/>
+          </p:cNvCxnSpPr>
+          <p:nvPr/>
+        </p:nvCxnSpPr>
+        <p:spPr>
+          <a:xfrm>
+            <a:off x="4231770" y="4114796"/>
+            <a:ext cx="4078252" cy="1690834"/>
+          </a:xfrm>
+          <a:prstGeom prst="bentConnector2">
+            <a:avLst/>
+          </a:prstGeom>
+          <a:ln w="57150">
+            <a:solidFill>
+              <a:srgbClr val="0070C0"/>
+            </a:solidFill>
+            <a:tailEnd type="triangle"/>
+          </a:ln>
+        </p:spPr>
+        <p:style>
+          <a:lnRef idx="1">
+            <a:schemeClr val="accent1"/>
+          </a:lnRef>
+          <a:fillRef idx="0">
+            <a:schemeClr val="accent1"/>
+          </a:fillRef>
+          <a:effectRef idx="0">
+            <a:schemeClr val="accent1"/>
+          </a:effectRef>
+          <a:fontRef idx="minor">
+            <a:schemeClr val="tx1"/>
+          </a:fontRef>
+        </p:style>
+      </p:cxnSp>
+      <p:sp>
+        <p:nvSpPr>
+          <p:cNvPr id="26" name="TextBox 25">
+            <a:extLst>
+              <a:ext uri="{FF2B5EF4-FFF2-40B4-BE49-F238E27FC236}">
+                <a16:creationId xmlns:a16="http://schemas.microsoft.com/office/drawing/2014/main" id="{9FC3EE1E-37E3-A9B3-FB0E-511267595061}"/>
+              </a:ext>
+            </a:extLst>
+          </p:cNvPr>
+          <p:cNvSpPr txBox="1"/>
+          <p:nvPr/>
+        </p:nvSpPr>
+        <p:spPr>
+          <a:xfrm>
+            <a:off x="5042356" y="2707454"/>
+            <a:ext cx="3901282" cy="1028423"/>
+          </a:xfrm>
+          <a:prstGeom prst="rect">
+            <a:avLst/>
+          </a:prstGeom>
+          <a:noFill/>
+        </p:spPr>
+        <p:txBody>
+          <a:bodyPr wrap="square">
+            <a:spAutoFit/>
+          </a:bodyPr>
+          <a:lstStyle/>
+          <a:p>
+            <a:pPr>
+              <a:lnSpc>
+                <a:spcPct val="150000"/>
+              </a:lnSpc>
+            </a:pPr>
+            <a:r>
+              <a:rPr lang="en-GB" sz="1400" b="1" dirty="0"/>
+              <a:t>POST</a:t>
+            </a:r>
+            <a:r>
+              <a:rPr lang="en-GB" sz="1400" dirty="0"/>
+              <a:t> http://localhost</a:t>
+            </a:r>
+            <a:r>
+              <a:rPr lang="en-GB" sz="1400" b="1" dirty="0">
+                <a:solidFill>
+                  <a:srgbClr val="0070C0"/>
+                </a:solidFill>
+              </a:rPr>
+              <a:t>:3500</a:t>
+            </a:r>
+            <a:r>
+              <a:rPr lang="en-GB" sz="1400" dirty="0"/>
+              <a:t>/v1.0/state/</a:t>
+            </a:r>
+            <a:r>
+              <a:rPr lang="en-GB" sz="1400" b="1" dirty="0">
+                <a:solidFill>
+                  <a:srgbClr val="0070C0"/>
+                </a:solidFill>
+              </a:rPr>
+              <a:t>statestore</a:t>
+            </a:r>
+          </a:p>
+          <a:p>
+            <a:pPr>
+              <a:lnSpc>
+                <a:spcPct val="150000"/>
+              </a:lnSpc>
+            </a:pPr>
+            <a:r>
+              <a:rPr lang="en-GB" sz="1400" dirty="0"/>
+              <a:t>content-type: application/</a:t>
+            </a:r>
+            <a:r>
+              <a:rPr lang="en-GB" sz="1400" dirty="0" err="1"/>
+              <a:t>json</a:t>
+            </a:r>
+            <a:endParaRPr lang="en-GB" sz="1400" dirty="0"/>
+          </a:p>
+          <a:p>
+            <a:pPr>
+              <a:lnSpc>
+                <a:spcPct val="150000"/>
+              </a:lnSpc>
+            </a:pPr>
+            <a:r>
+              <a:rPr lang="en-GB" sz="1400" dirty="0"/>
+              <a:t>[ { "key": "</a:t>
+            </a:r>
+            <a:r>
+              <a:rPr lang="en-GB" sz="1400" dirty="0" err="1"/>
+              <a:t>color</a:t>
+            </a:r>
+            <a:r>
+              <a:rPr lang="en-GB" sz="1400" dirty="0"/>
+              <a:t>", "value": "red" }]</a:t>
+            </a:r>
+          </a:p>
+        </p:txBody>
+      </p:sp>
+      <p:pic>
+        <p:nvPicPr>
+          <p:cNvPr id="28" name="그림 27">
+            <a:extLst>
+              <a:ext uri="{FF2B5EF4-FFF2-40B4-BE49-F238E27FC236}">
+                <a16:creationId xmlns:a16="http://schemas.microsoft.com/office/drawing/2014/main" id="{E6B22C9B-2726-D41C-C37F-563414C10A8A}"/>
+              </a:ext>
+            </a:extLst>
+          </p:cNvPr>
+          <p:cNvPicPr>
+            <a:picLocks noChangeAspect="1"/>
+          </p:cNvPicPr>
+          <p:nvPr/>
+        </p:nvPicPr>
+        <p:blipFill>
+          <a:blip r:embed="rId2"/>
+          <a:stretch>
+            <a:fillRect/>
+          </a:stretch>
+        </p:blipFill>
+        <p:spPr>
+          <a:xfrm>
+            <a:off x="4905213" y="159317"/>
+            <a:ext cx="6871873" cy="2045091"/>
+          </a:xfrm>
+          <a:prstGeom prst="rect">
+            <a:avLst/>
+          </a:prstGeom>
+        </p:spPr>
+      </p:pic>
+      <p:cxnSp>
+        <p:nvCxnSpPr>
+          <p:cNvPr id="31" name="연결선: 꺾임 30">
+            <a:extLst>
+              <a:ext uri="{FF2B5EF4-FFF2-40B4-BE49-F238E27FC236}">
+                <a16:creationId xmlns:a16="http://schemas.microsoft.com/office/drawing/2014/main" id="{2368BD21-33FC-1905-3DEF-E56C27B90618}"/>
+              </a:ext>
+            </a:extLst>
+          </p:cNvPr>
+          <p:cNvCxnSpPr>
+            <a:cxnSpLocks/>
+            <a:stCxn id="29" idx="3"/>
+            <a:endCxn id="30" idx="0"/>
+          </p:cNvCxnSpPr>
+          <p:nvPr/>
+        </p:nvCxnSpPr>
+        <p:spPr>
+          <a:xfrm>
+            <a:off x="4231769" y="2349931"/>
+            <a:ext cx="4096820" cy="342416"/>
+          </a:xfrm>
+          <a:prstGeom prst="bentConnector2">
+            <a:avLst/>
+          </a:prstGeom>
+          <a:ln w="57150">
+            <a:solidFill>
+              <a:schemeClr val="accent6"/>
+            </a:solidFill>
+            <a:tailEnd type="triangle"/>
+          </a:ln>
+        </p:spPr>
+        <p:style>
+          <a:lnRef idx="1">
+            <a:schemeClr val="accent1"/>
+          </a:lnRef>
+          <a:fillRef idx="0">
+            <a:schemeClr val="accent1"/>
+          </a:fillRef>
+          <a:effectRef idx="0">
+            <a:schemeClr val="accent1"/>
+          </a:effectRef>
+          <a:fontRef idx="minor">
+            <a:schemeClr val="tx1"/>
+          </a:fontRef>
+        </p:style>
+      </p:cxnSp>
+      <p:cxnSp>
+        <p:nvCxnSpPr>
+          <p:cNvPr id="39" name="직선 화살표 연결선 38">
+            <a:extLst>
+              <a:ext uri="{FF2B5EF4-FFF2-40B4-BE49-F238E27FC236}">
+                <a16:creationId xmlns:a16="http://schemas.microsoft.com/office/drawing/2014/main" id="{F537F6A1-3BDF-30F5-07A4-D5620E1E467F}"/>
+              </a:ext>
+            </a:extLst>
+          </p:cNvPr>
+          <p:cNvCxnSpPr/>
+          <p:nvPr/>
+        </p:nvCxnSpPr>
+        <p:spPr>
+          <a:xfrm>
+            <a:off x="8680478" y="427110"/>
+            <a:ext cx="441789" cy="0"/>
+          </a:xfrm>
+          <a:prstGeom prst="straightConnector1">
+            <a:avLst/>
+          </a:prstGeom>
+          <a:ln w="57150">
+            <a:solidFill>
+              <a:srgbClr val="FFFF00"/>
+            </a:solidFill>
+            <a:headEnd type="none" w="med" len="med"/>
+            <a:tailEnd type="none" w="med" len="med"/>
+          </a:ln>
+        </p:spPr>
+        <p:style>
+          <a:lnRef idx="1">
+            <a:schemeClr val="accent1"/>
+          </a:lnRef>
+          <a:fillRef idx="0">
+            <a:schemeClr val="accent1"/>
+          </a:fillRef>
+          <a:effectRef idx="0">
+            <a:schemeClr val="accent1"/>
+          </a:effectRef>
+          <a:fontRef idx="minor">
+            <a:schemeClr val="tx1"/>
+          </a:fontRef>
+        </p:style>
+      </p:cxnSp>
+      <p:cxnSp>
+        <p:nvCxnSpPr>
+          <p:cNvPr id="40" name="직선 화살표 연결선 39">
+            <a:extLst>
+              <a:ext uri="{FF2B5EF4-FFF2-40B4-BE49-F238E27FC236}">
+                <a16:creationId xmlns:a16="http://schemas.microsoft.com/office/drawing/2014/main" id="{34053996-834C-BFF2-183C-B7B55286326A}"/>
+              </a:ext>
+            </a:extLst>
+          </p:cNvPr>
+          <p:cNvCxnSpPr>
+            <a:cxnSpLocks/>
+          </p:cNvCxnSpPr>
+          <p:nvPr/>
+        </p:nvCxnSpPr>
+        <p:spPr>
+          <a:xfrm>
+            <a:off x="11103467" y="846635"/>
+            <a:ext cx="541105" cy="0"/>
+          </a:xfrm>
+          <a:prstGeom prst="straightConnector1">
+            <a:avLst/>
+          </a:prstGeom>
+          <a:ln w="57150">
+            <a:solidFill>
+              <a:srgbClr val="FFFF00"/>
+            </a:solidFill>
+            <a:headEnd type="none" w="med" len="med"/>
+            <a:tailEnd type="none" w="med" len="med"/>
+          </a:ln>
+        </p:spPr>
+        <p:style>
+          <a:lnRef idx="1">
+            <a:schemeClr val="accent1"/>
+          </a:lnRef>
+          <a:fillRef idx="0">
+            <a:schemeClr val="accent1"/>
+          </a:fillRef>
+          <a:effectRef idx="0">
+            <a:schemeClr val="accent1"/>
+          </a:effectRef>
+          <a:fontRef idx="minor">
+            <a:schemeClr val="tx1"/>
+          </a:fontRef>
+        </p:style>
+      </p:cxnSp>
+      <p:cxnSp>
+        <p:nvCxnSpPr>
+          <p:cNvPr id="42" name="직선 화살표 연결선 41">
+            <a:extLst>
+              <a:ext uri="{FF2B5EF4-FFF2-40B4-BE49-F238E27FC236}">
+                <a16:creationId xmlns:a16="http://schemas.microsoft.com/office/drawing/2014/main" id="{132C1A7B-BF1B-C27F-629C-6A98546DDC8E}"/>
+              </a:ext>
+            </a:extLst>
+          </p:cNvPr>
+          <p:cNvCxnSpPr>
+            <a:cxnSpLocks/>
+          </p:cNvCxnSpPr>
+          <p:nvPr/>
+        </p:nvCxnSpPr>
+        <p:spPr>
+          <a:xfrm>
+            <a:off x="8516949" y="1363771"/>
+            <a:ext cx="541105" cy="0"/>
+          </a:xfrm>
+          <a:prstGeom prst="straightConnector1">
+            <a:avLst/>
+          </a:prstGeom>
+          <a:ln w="57150">
+            <a:solidFill>
+              <a:srgbClr val="FFFF00"/>
+            </a:solidFill>
+            <a:headEnd type="none" w="med" len="med"/>
+            <a:tailEnd type="none" w="med" len="med"/>
+          </a:ln>
+        </p:spPr>
+        <p:style>
+          <a:lnRef idx="1">
+            <a:schemeClr val="accent1"/>
+          </a:lnRef>
+          <a:fillRef idx="0">
+            <a:schemeClr val="accent1"/>
+          </a:fillRef>
+          <a:effectRef idx="0">
+            <a:schemeClr val="accent1"/>
+          </a:effectRef>
+          <a:fontRef idx="minor">
+            <a:schemeClr val="tx1"/>
+          </a:fontRef>
+        </p:style>
+      </p:cxnSp>
+      <p:cxnSp>
+        <p:nvCxnSpPr>
+          <p:cNvPr id="44" name="직선 화살표 연결선 43">
+            <a:extLst>
+              <a:ext uri="{FF2B5EF4-FFF2-40B4-BE49-F238E27FC236}">
+                <a16:creationId xmlns:a16="http://schemas.microsoft.com/office/drawing/2014/main" id="{476BC4F4-BD52-18DF-DB8E-28ACD1D78763}"/>
+              </a:ext>
+            </a:extLst>
+          </p:cNvPr>
+          <p:cNvCxnSpPr>
+            <a:cxnSpLocks/>
+          </p:cNvCxnSpPr>
+          <p:nvPr/>
+        </p:nvCxnSpPr>
+        <p:spPr>
+          <a:xfrm flipH="1">
+            <a:off x="8772945" y="427110"/>
+            <a:ext cx="133564" cy="715478"/>
+          </a:xfrm>
+          <a:prstGeom prst="straightConnector1">
+            <a:avLst/>
+          </a:prstGeom>
+          <a:ln w="19050">
+            <a:solidFill>
+              <a:srgbClr val="FFFF00"/>
+            </a:solidFill>
+            <a:tailEnd type="triangle"/>
+          </a:ln>
+        </p:spPr>
+        <p:style>
+          <a:lnRef idx="1">
+            <a:schemeClr val="accent1"/>
+          </a:lnRef>
+          <a:fillRef idx="0">
+            <a:schemeClr val="accent1"/>
+          </a:fillRef>
+          <a:effectRef idx="0">
+            <a:schemeClr val="accent1"/>
+          </a:effectRef>
+          <a:fontRef idx="minor">
+            <a:schemeClr val="tx1"/>
+          </a:fontRef>
+        </p:style>
+      </p:cxnSp>
+      <p:sp>
+        <p:nvSpPr>
+          <p:cNvPr id="51" name="오른쪽 중괄호 50">
+            <a:extLst>
+              <a:ext uri="{FF2B5EF4-FFF2-40B4-BE49-F238E27FC236}">
+                <a16:creationId xmlns:a16="http://schemas.microsoft.com/office/drawing/2014/main" id="{0119F73B-F5AC-D32B-7421-19D49A1378FA}"/>
+              </a:ext>
+            </a:extLst>
+          </p:cNvPr>
+          <p:cNvSpPr/>
+          <p:nvPr/>
+        </p:nvSpPr>
+        <p:spPr>
+          <a:xfrm>
+            <a:off x="8943638" y="2620662"/>
+            <a:ext cx="135425" cy="1202005"/>
+          </a:xfrm>
+          <a:prstGeom prst="rightBrace">
+            <a:avLst>
+              <a:gd name="adj1" fmla="val 53994"/>
+              <a:gd name="adj2" fmla="val 50000"/>
+            </a:avLst>
+          </a:prstGeom>
+          <a:ln w="28575">
+            <a:solidFill>
+              <a:schemeClr val="accent6"/>
+            </a:solidFill>
+          </a:ln>
+        </p:spPr>
+        <p:style>
+          <a:lnRef idx="1">
+            <a:schemeClr val="accent1"/>
+          </a:lnRef>
+          <a:fillRef idx="0">
+            <a:schemeClr val="accent1"/>
+          </a:fillRef>
+          <a:effectRef idx="0">
+            <a:schemeClr val="accent1"/>
+          </a:effectRef>
+          <a:fontRef idx="minor">
+            <a:schemeClr val="tx1"/>
+          </a:fontRef>
+        </p:style>
+        <p:txBody>
+          <a:bodyPr rtlCol="0" anchor="ctr"/>
+          <a:lstStyle/>
+          <a:p>
+            <a:pPr algn="ctr"/>
+            <a:endParaRPr lang="en-GB"/>
+          </a:p>
+        </p:txBody>
+      </p:sp>
+      <p:cxnSp>
+        <p:nvCxnSpPr>
+          <p:cNvPr id="56" name="연결선: 꺾임 55">
+            <a:extLst>
+              <a:ext uri="{FF2B5EF4-FFF2-40B4-BE49-F238E27FC236}">
+                <a16:creationId xmlns:a16="http://schemas.microsoft.com/office/drawing/2014/main" id="{65C92BD3-ED58-808F-6309-97B681FFC926}"/>
+              </a:ext>
+            </a:extLst>
+          </p:cNvPr>
+          <p:cNvCxnSpPr>
+            <a:cxnSpLocks/>
+            <a:stCxn id="59" idx="3"/>
+            <a:endCxn id="49" idx="0"/>
+          </p:cNvCxnSpPr>
+          <p:nvPr/>
+        </p:nvCxnSpPr>
+        <p:spPr>
+          <a:xfrm>
+            <a:off x="9061629" y="3216528"/>
+            <a:ext cx="672056" cy="2589102"/>
+          </a:xfrm>
+          <a:prstGeom prst="bentConnector2">
+            <a:avLst/>
+          </a:prstGeom>
+          <a:ln w="57150">
+            <a:solidFill>
+              <a:schemeClr val="accent6"/>
+            </a:solidFill>
+            <a:tailEnd type="triangle"/>
+          </a:ln>
+        </p:spPr>
+        <p:style>
+          <a:lnRef idx="1">
+            <a:schemeClr val="accent1"/>
+          </a:lnRef>
+          <a:fillRef idx="0">
+            <a:schemeClr val="accent1"/>
+          </a:fillRef>
+          <a:effectRef idx="0">
+            <a:schemeClr val="accent1"/>
+          </a:effectRef>
+          <a:fontRef idx="minor">
+            <a:schemeClr val="tx1"/>
+          </a:fontRef>
+        </p:style>
+      </p:cxnSp>
+      <p:sp>
+        <p:nvSpPr>
+          <p:cNvPr id="59" name="직사각형 58">
+            <a:extLst>
+              <a:ext uri="{FF2B5EF4-FFF2-40B4-BE49-F238E27FC236}">
+                <a16:creationId xmlns:a16="http://schemas.microsoft.com/office/drawing/2014/main" id="{88BCD2B3-A47B-C2D8-C100-174A85CDB2CA}"/>
+              </a:ext>
+            </a:extLst>
+          </p:cNvPr>
+          <p:cNvSpPr/>
+          <p:nvPr/>
+        </p:nvSpPr>
+        <p:spPr>
+          <a:xfrm>
+            <a:off x="8778766" y="3063360"/>
+            <a:ext cx="282863" cy="306335"/>
+          </a:xfrm>
+          <a:prstGeom prst="rect">
+            <a:avLst/>
+          </a:prstGeom>
+          <a:noFill/>
+          <a:ln>
+            <a:noFill/>
+          </a:ln>
+        </p:spPr>
+        <p:style>
+          <a:lnRef idx="2">
+            <a:schemeClr val="accent1">
+              <a:shade val="50000"/>
+            </a:schemeClr>
+          </a:lnRef>
+          <a:fillRef idx="1">
+            <a:schemeClr val="accent1"/>
+          </a:fillRef>
+          <a:effectRef idx="0">
+            <a:schemeClr val="accent1"/>
+          </a:effectRef>
+          <a:fontRef idx="minor">
+            <a:schemeClr val="lt1"/>
+          </a:fontRef>
+        </p:style>
+        <p:txBody>
+          <a:bodyPr rtlCol="0" anchor="ctr"/>
+          <a:lstStyle/>
+          <a:p>
+            <a:pPr algn="ctr"/>
+            <a:endParaRPr lang="en-GB"/>
+          </a:p>
+        </p:txBody>
+      </p:sp>
       <p:grpSp>
         <p:nvGrpSpPr>
-          <p:cNvPr id="76" name="그룹 75">
-            <a:extLst>
-              <a:ext uri="{FF2B5EF4-FFF2-40B4-BE49-F238E27FC236}">
-                <a16:creationId xmlns:a16="http://schemas.microsoft.com/office/drawing/2014/main" id="{7C0B0751-DC70-8B08-897B-23DB7E6B0375}"/>
+          <p:cNvPr id="66" name="그룹 65">
+            <a:extLst>
+              <a:ext uri="{FF2B5EF4-FFF2-40B4-BE49-F238E27FC236}">
+                <a16:creationId xmlns:a16="http://schemas.microsoft.com/office/drawing/2014/main" id="{4A25E892-184C-DA3E-EA8D-21B7A8070084}"/>
               </a:ext>
             </a:extLst>
           </p:cNvPr>
@@ -3356,18 +4816,18 @@
         </p:nvGrpSpPr>
         <p:grpSpPr>
           <a:xfrm>
-            <a:off x="167819" y="159317"/>
-            <a:ext cx="11664761" cy="6539367"/>
-            <a:chOff x="167819" y="208118"/>
-            <a:chExt cx="11664761" cy="6539367"/>
+            <a:off x="167819" y="1043648"/>
+            <a:ext cx="1587222" cy="403435"/>
+            <a:chOff x="167819" y="1092449"/>
+            <a:chExt cx="1587222" cy="403435"/>
           </a:xfrm>
         </p:grpSpPr>
         <p:sp>
           <p:nvSpPr>
-            <p:cNvPr id="49" name="직사각형 48">
+            <p:cNvPr id="64" name="타원 63">
               <a:extLst>
                 <a:ext uri="{FF2B5EF4-FFF2-40B4-BE49-F238E27FC236}">
-                  <a16:creationId xmlns:a16="http://schemas.microsoft.com/office/drawing/2014/main" id="{C40BFEF4-623D-B42C-DDC2-8E3A06ACEE8F}"/>
+                  <a16:creationId xmlns:a16="http://schemas.microsoft.com/office/drawing/2014/main" id="{1F4C8239-36BB-1E44-C5A8-589BD460EDC9}"/>
                 </a:ext>
               </a:extLst>
             </p:cNvPr>
@@ -3376,26 +4836,15 @@
           </p:nvSpPr>
           <p:spPr>
             <a:xfrm>
-              <a:off x="9244583" y="5854431"/>
-              <a:ext cx="978204" cy="893054"/>
+              <a:off x="167819" y="1092449"/>
+              <a:ext cx="393509" cy="403435"/>
             </a:xfrm>
-            <a:prstGeom prst="rect">
+            <a:prstGeom prst="ellipse">
               <a:avLst/>
             </a:prstGeom>
             <a:solidFill>
-              <a:schemeClr val="accent6">
-                <a:lumMod val="20000"/>
-                <a:lumOff val="80000"/>
-              </a:schemeClr>
+              <a:schemeClr val="tx1"/>
             </a:solidFill>
-            <a:ln>
-              <a:solidFill>
-                <a:schemeClr val="accent6">
-                  <a:lumMod val="20000"/>
-                  <a:lumOff val="80000"/>
-                </a:schemeClr>
-              </a:solidFill>
-            </a:ln>
           </p:spPr>
           <p:style>
             <a:lnRef idx="2">
@@ -3418,16 +4867,75 @@
             <a:lstStyle/>
             <a:p>
               <a:pPr algn="ctr"/>
-              <a:endParaRPr lang="en-GB"/>
+              <a:r>
+                <a:rPr lang="en-GB" b="1" dirty="0"/>
+                <a:t>1</a:t>
+              </a:r>
             </a:p>
           </p:txBody>
         </p:sp>
         <p:sp>
           <p:nvSpPr>
-            <p:cNvPr id="47" name="직사각형 46">
+            <p:cNvPr id="65" name="TextBox 64">
               <a:extLst>
                 <a:ext uri="{FF2B5EF4-FFF2-40B4-BE49-F238E27FC236}">
-                  <a16:creationId xmlns:a16="http://schemas.microsoft.com/office/drawing/2014/main" id="{972666AA-EF7E-0B19-176E-DD1F65E43805}"/>
+                  <a16:creationId xmlns:a16="http://schemas.microsoft.com/office/drawing/2014/main" id="{C8A2DE55-5085-BA05-270C-7FC348A79E28}"/>
+                </a:ext>
+              </a:extLst>
+            </p:cNvPr>
+            <p:cNvSpPr txBox="1"/>
+            <p:nvPr/>
+          </p:nvSpPr>
+          <p:spPr>
+            <a:xfrm>
+              <a:off x="555867" y="1140278"/>
+              <a:ext cx="1199174" cy="307777"/>
+            </a:xfrm>
+            <a:prstGeom prst="rect">
+              <a:avLst/>
+            </a:prstGeom>
+            <a:noFill/>
+          </p:spPr>
+          <p:txBody>
+            <a:bodyPr wrap="none" rtlCol="0">
+              <a:spAutoFit/>
+            </a:bodyPr>
+            <a:lstStyle/>
+            <a:p>
+              <a:r>
+                <a:rPr lang="en-GB" sz="1400" b="1" dirty="0"/>
+                <a:t>Configuration</a:t>
+              </a:r>
+            </a:p>
+          </p:txBody>
+        </p:sp>
+      </p:grpSp>
+      <p:grpSp>
+        <p:nvGrpSpPr>
+          <p:cNvPr id="67" name="그룹 66">
+            <a:extLst>
+              <a:ext uri="{FF2B5EF4-FFF2-40B4-BE49-F238E27FC236}">
+                <a16:creationId xmlns:a16="http://schemas.microsoft.com/office/drawing/2014/main" id="{E032A788-A56A-2651-CEB3-89E99B5F281C}"/>
+              </a:ext>
+            </a:extLst>
+          </p:cNvPr>
+          <p:cNvGrpSpPr/>
+          <p:nvPr/>
+        </p:nvGrpSpPr>
+        <p:grpSpPr>
+          <a:xfrm>
+            <a:off x="709589" y="6050439"/>
+            <a:ext cx="1301888" cy="403435"/>
+            <a:chOff x="167819" y="1092449"/>
+            <a:chExt cx="1301888" cy="403435"/>
+          </a:xfrm>
+        </p:grpSpPr>
+        <p:sp>
+          <p:nvSpPr>
+            <p:cNvPr id="68" name="타원 67">
+              <a:extLst>
+                <a:ext uri="{FF2B5EF4-FFF2-40B4-BE49-F238E27FC236}">
+                  <a16:creationId xmlns:a16="http://schemas.microsoft.com/office/drawing/2014/main" id="{697F37C3-7A89-9866-1418-756E59CBAD6C}"/>
                 </a:ext>
               </a:extLst>
             </p:cNvPr>
@@ -3436,26 +4944,15 @@
           </p:nvSpPr>
           <p:spPr>
             <a:xfrm>
-              <a:off x="6641057" y="2741148"/>
-              <a:ext cx="562300" cy="459224"/>
+              <a:off x="167819" y="1092449"/>
+              <a:ext cx="393509" cy="403435"/>
             </a:xfrm>
-            <a:prstGeom prst="rect">
+            <a:prstGeom prst="ellipse">
               <a:avLst/>
             </a:prstGeom>
             <a:solidFill>
-              <a:schemeClr val="accent6">
-                <a:lumMod val="20000"/>
-                <a:lumOff val="80000"/>
-              </a:schemeClr>
+              <a:schemeClr val="tx1"/>
             </a:solidFill>
-            <a:ln>
-              <a:solidFill>
-                <a:schemeClr val="accent6">
-                  <a:lumMod val="20000"/>
-                  <a:lumOff val="80000"/>
-                </a:schemeClr>
-              </a:solidFill>
-            </a:ln>
           </p:spPr>
           <p:style>
             <a:lnRef idx="2">
@@ -3478,16 +4975,75 @@
             <a:lstStyle/>
             <a:p>
               <a:pPr algn="ctr"/>
-              <a:endParaRPr lang="en-GB"/>
+              <a:r>
+                <a:rPr lang="en-GB" b="1" dirty="0"/>
+                <a:t>2</a:t>
+              </a:r>
             </a:p>
           </p:txBody>
         </p:sp>
         <p:sp>
           <p:nvSpPr>
-            <p:cNvPr id="30" name="직사각형 29">
+            <p:cNvPr id="69" name="TextBox 68">
               <a:extLst>
                 <a:ext uri="{FF2B5EF4-FFF2-40B4-BE49-F238E27FC236}">
-                  <a16:creationId xmlns:a16="http://schemas.microsoft.com/office/drawing/2014/main" id="{3C200D8D-A8B2-9A98-0771-21E86E8B1371}"/>
+                  <a16:creationId xmlns:a16="http://schemas.microsoft.com/office/drawing/2014/main" id="{BE0803A8-3BC4-0B0B-CA6C-05ED54EBA220}"/>
+                </a:ext>
+              </a:extLst>
+            </p:cNvPr>
+            <p:cNvSpPr txBox="1"/>
+            <p:nvPr/>
+          </p:nvSpPr>
+          <p:spPr>
+            <a:xfrm>
+              <a:off x="555867" y="1140278"/>
+              <a:ext cx="913840" cy="307777"/>
+            </a:xfrm>
+            <a:prstGeom prst="rect">
+              <a:avLst/>
+            </a:prstGeom>
+            <a:noFill/>
+          </p:spPr>
+          <p:txBody>
+            <a:bodyPr wrap="none" rtlCol="0">
+              <a:spAutoFit/>
+            </a:bodyPr>
+            <a:lstStyle/>
+            <a:p>
+              <a:r>
+                <a:rPr lang="en-GB" sz="1400" b="1" dirty="0"/>
+                <a:t>Container</a:t>
+              </a:r>
+            </a:p>
+          </p:txBody>
+        </p:sp>
+      </p:grpSp>
+      <p:grpSp>
+        <p:nvGrpSpPr>
+          <p:cNvPr id="70" name="그룹 69">
+            <a:extLst>
+              <a:ext uri="{FF2B5EF4-FFF2-40B4-BE49-F238E27FC236}">
+                <a16:creationId xmlns:a16="http://schemas.microsoft.com/office/drawing/2014/main" id="{9A46FED5-B90A-9EC8-4790-8E739F59B320}"/>
+              </a:ext>
+            </a:extLst>
+          </p:cNvPr>
+          <p:cNvGrpSpPr/>
+          <p:nvPr/>
+        </p:nvGrpSpPr>
+        <p:grpSpPr>
+          <a:xfrm>
+            <a:off x="10222787" y="2269739"/>
+            <a:ext cx="1609793" cy="403435"/>
+            <a:chOff x="167819" y="1092449"/>
+            <a:chExt cx="1609793" cy="403435"/>
+          </a:xfrm>
+        </p:grpSpPr>
+        <p:sp>
+          <p:nvSpPr>
+            <p:cNvPr id="71" name="타원 70">
+              <a:extLst>
+                <a:ext uri="{FF2B5EF4-FFF2-40B4-BE49-F238E27FC236}">
+                  <a16:creationId xmlns:a16="http://schemas.microsoft.com/office/drawing/2014/main" id="{EBF5A94F-A2AC-0528-801B-5BBAF2045D98}"/>
                 </a:ext>
               </a:extLst>
             </p:cNvPr>
@@ -3496,26 +5052,15 @@
           </p:nvSpPr>
           <p:spPr>
             <a:xfrm>
-              <a:off x="7814668" y="2741148"/>
-              <a:ext cx="1027842" cy="459224"/>
+              <a:off x="167819" y="1092449"/>
+              <a:ext cx="393509" cy="403435"/>
             </a:xfrm>
-            <a:prstGeom prst="rect">
+            <a:prstGeom prst="ellipse">
               <a:avLst/>
             </a:prstGeom>
             <a:solidFill>
-              <a:schemeClr val="accent6">
-                <a:lumMod val="20000"/>
-                <a:lumOff val="80000"/>
-              </a:schemeClr>
+              <a:schemeClr val="tx1"/>
             </a:solidFill>
-            <a:ln>
-              <a:solidFill>
-                <a:schemeClr val="accent6">
-                  <a:lumMod val="20000"/>
-                  <a:lumOff val="80000"/>
-                </a:schemeClr>
-              </a:solidFill>
-            </a:ln>
           </p:spPr>
           <p:style>
             <a:lnRef idx="2">
@@ -3538,16 +5083,79 @@
             <a:lstStyle/>
             <a:p>
               <a:pPr algn="ctr"/>
-              <a:endParaRPr lang="en-GB"/>
+              <a:r>
+                <a:rPr lang="en-GB" b="1" dirty="0"/>
+                <a:t>3</a:t>
+              </a:r>
             </a:p>
           </p:txBody>
         </p:sp>
         <p:sp>
           <p:nvSpPr>
-            <p:cNvPr id="29" name="직사각형 28">
+            <p:cNvPr id="72" name="TextBox 71">
               <a:extLst>
                 <a:ext uri="{FF2B5EF4-FFF2-40B4-BE49-F238E27FC236}">
-                  <a16:creationId xmlns:a16="http://schemas.microsoft.com/office/drawing/2014/main" id="{9C3D3379-1B33-7B5F-9367-5A782B72FB43}"/>
+                  <a16:creationId xmlns:a16="http://schemas.microsoft.com/office/drawing/2014/main" id="{33AE5B8D-E62A-AC29-1786-768CC2C27DFA}"/>
+                </a:ext>
+              </a:extLst>
+            </p:cNvPr>
+            <p:cNvSpPr txBox="1"/>
+            <p:nvPr/>
+          </p:nvSpPr>
+          <p:spPr>
+            <a:xfrm>
+              <a:off x="555867" y="1140278"/>
+              <a:ext cx="1221745" cy="307777"/>
+            </a:xfrm>
+            <a:prstGeom prst="rect">
+              <a:avLst/>
+            </a:prstGeom>
+            <a:noFill/>
+          </p:spPr>
+          <p:txBody>
+            <a:bodyPr wrap="none" rtlCol="0">
+              <a:spAutoFit/>
+            </a:bodyPr>
+            <a:lstStyle/>
+            <a:p>
+              <a:r>
+                <a:rPr lang="en-GB" sz="1400" b="1" dirty="0" err="1"/>
+                <a:t>Dapr</a:t>
+              </a:r>
+              <a:r>
+                <a:rPr lang="en-GB" sz="1400" b="1" dirty="0"/>
+                <a:t> Runtime</a:t>
+              </a:r>
+            </a:p>
+          </p:txBody>
+        </p:sp>
+      </p:grpSp>
+      <p:grpSp>
+        <p:nvGrpSpPr>
+          <p:cNvPr id="73" name="그룹 72">
+            <a:extLst>
+              <a:ext uri="{FF2B5EF4-FFF2-40B4-BE49-F238E27FC236}">
+                <a16:creationId xmlns:a16="http://schemas.microsoft.com/office/drawing/2014/main" id="{BD8CD182-380B-AD36-0683-AF4F27BF6D40}"/>
+              </a:ext>
+            </a:extLst>
+          </p:cNvPr>
+          <p:cNvGrpSpPr/>
+          <p:nvPr/>
+        </p:nvGrpSpPr>
+        <p:grpSpPr>
+          <a:xfrm>
+            <a:off x="9851676" y="3835966"/>
+            <a:ext cx="1254567" cy="403435"/>
+            <a:chOff x="167819" y="1092449"/>
+            <a:chExt cx="1254567" cy="403435"/>
+          </a:xfrm>
+        </p:grpSpPr>
+        <p:sp>
+          <p:nvSpPr>
+            <p:cNvPr id="74" name="타원 73">
+              <a:extLst>
+                <a:ext uri="{FF2B5EF4-FFF2-40B4-BE49-F238E27FC236}">
+                  <a16:creationId xmlns:a16="http://schemas.microsoft.com/office/drawing/2014/main" id="{91CD2B88-B887-BF10-1C1E-1D44CF969BF1}"/>
                 </a:ext>
               </a:extLst>
             </p:cNvPr>
@@ -3556,26 +5164,15 @@
           </p:nvSpPr>
           <p:spPr>
             <a:xfrm>
-              <a:off x="2147398" y="2169120"/>
-              <a:ext cx="2084371" cy="459224"/>
+              <a:off x="167819" y="1092449"/>
+              <a:ext cx="393509" cy="403435"/>
             </a:xfrm>
-            <a:prstGeom prst="rect">
+            <a:prstGeom prst="ellipse">
               <a:avLst/>
             </a:prstGeom>
             <a:solidFill>
-              <a:schemeClr val="accent6">
-                <a:lumMod val="20000"/>
-                <a:lumOff val="80000"/>
-              </a:schemeClr>
+              <a:schemeClr val="tx1"/>
             </a:solidFill>
-            <a:ln>
-              <a:solidFill>
-                <a:schemeClr val="accent6">
-                  <a:lumMod val="20000"/>
-                  <a:lumOff val="80000"/>
-                </a:schemeClr>
-              </a:solidFill>
-            </a:ln>
           </p:spPr>
           <p:style>
             <a:lnRef idx="2">
@@ -3598,196 +5195,19 @@
             <a:lstStyle/>
             <a:p>
               <a:pPr algn="ctr"/>
-              <a:endParaRPr lang="en-GB"/>
+              <a:r>
+                <a:rPr lang="en-GB" b="1" dirty="0"/>
+                <a:t>4</a:t>
+              </a:r>
             </a:p>
           </p:txBody>
         </p:sp>
         <p:sp>
           <p:nvSpPr>
-            <p:cNvPr id="17" name="직사각형 16">
+            <p:cNvPr id="75" name="TextBox 74">
               <a:extLst>
                 <a:ext uri="{FF2B5EF4-FFF2-40B4-BE49-F238E27FC236}">
-                  <a16:creationId xmlns:a16="http://schemas.microsoft.com/office/drawing/2014/main" id="{A0BA38FB-5605-405F-66B5-607410BF4196}"/>
-                </a:ext>
-              </a:extLst>
-            </p:cNvPr>
-            <p:cNvSpPr/>
-            <p:nvPr/>
-          </p:nvSpPr>
-          <p:spPr>
-            <a:xfrm>
-              <a:off x="2147399" y="3803598"/>
-              <a:ext cx="2084371" cy="719998"/>
-            </a:xfrm>
-            <a:prstGeom prst="rect">
-              <a:avLst/>
-            </a:prstGeom>
-            <a:solidFill>
-              <a:schemeClr val="accent4">
-                <a:lumMod val="20000"/>
-                <a:lumOff val="80000"/>
-              </a:schemeClr>
-            </a:solidFill>
-            <a:ln>
-              <a:solidFill>
-                <a:schemeClr val="accent4">
-                  <a:lumMod val="20000"/>
-                  <a:lumOff val="80000"/>
-                </a:schemeClr>
-              </a:solidFill>
-            </a:ln>
-          </p:spPr>
-          <p:style>
-            <a:lnRef idx="2">
-              <a:schemeClr val="accent1">
-                <a:shade val="50000"/>
-              </a:schemeClr>
-            </a:lnRef>
-            <a:fillRef idx="1">
-              <a:schemeClr val="accent1"/>
-            </a:fillRef>
-            <a:effectRef idx="0">
-              <a:schemeClr val="accent1"/>
-            </a:effectRef>
-            <a:fontRef idx="minor">
-              <a:schemeClr val="lt1"/>
-            </a:fontRef>
-          </p:style>
-          <p:txBody>
-            <a:bodyPr rtlCol="0" anchor="ctr"/>
-            <a:lstStyle/>
-            <a:p>
-              <a:pPr algn="ctr"/>
-              <a:endParaRPr lang="en-GB"/>
-            </a:p>
-          </p:txBody>
-        </p:sp>
-        <p:sp>
-          <p:nvSpPr>
-            <p:cNvPr id="18" name="직사각형 17">
-              <a:extLst>
-                <a:ext uri="{FF2B5EF4-FFF2-40B4-BE49-F238E27FC236}">
-                  <a16:creationId xmlns:a16="http://schemas.microsoft.com/office/drawing/2014/main" id="{0D002B15-45F0-27C0-9079-D3E7739727C4}"/>
-                </a:ext>
-              </a:extLst>
-            </p:cNvPr>
-            <p:cNvSpPr/>
-            <p:nvPr/>
-          </p:nvSpPr>
-          <p:spPr>
-            <a:xfrm>
-              <a:off x="2928233" y="578651"/>
-              <a:ext cx="1426822" cy="533351"/>
-            </a:xfrm>
-            <a:prstGeom prst="rect">
-              <a:avLst/>
-            </a:prstGeom>
-            <a:solidFill>
-              <a:schemeClr val="accent4">
-                <a:lumMod val="20000"/>
-                <a:lumOff val="80000"/>
-              </a:schemeClr>
-            </a:solidFill>
-            <a:ln>
-              <a:solidFill>
-                <a:schemeClr val="accent4">
-                  <a:lumMod val="20000"/>
-                  <a:lumOff val="80000"/>
-                </a:schemeClr>
-              </a:solidFill>
-            </a:ln>
-          </p:spPr>
-          <p:style>
-            <a:lnRef idx="2">
-              <a:schemeClr val="accent1">
-                <a:shade val="50000"/>
-              </a:schemeClr>
-            </a:lnRef>
-            <a:fillRef idx="1">
-              <a:schemeClr val="accent1"/>
-            </a:fillRef>
-            <a:effectRef idx="0">
-              <a:schemeClr val="accent1"/>
-            </a:effectRef>
-            <a:fontRef idx="minor">
-              <a:schemeClr val="lt1"/>
-            </a:fontRef>
-          </p:style>
-          <p:txBody>
-            <a:bodyPr rtlCol="0" anchor="ctr"/>
-            <a:lstStyle/>
-            <a:p>
-              <a:pPr algn="ctr"/>
-              <a:endParaRPr lang="en-GB"/>
-            </a:p>
-          </p:txBody>
-        </p:sp>
-        <p:sp>
-          <p:nvSpPr>
-            <p:cNvPr id="16" name="직사각형 15">
-              <a:extLst>
-                <a:ext uri="{FF2B5EF4-FFF2-40B4-BE49-F238E27FC236}">
-                  <a16:creationId xmlns:a16="http://schemas.microsoft.com/office/drawing/2014/main" id="{3C897C86-4AE4-37BB-0ACA-A40C05ADD2D8}"/>
-                </a:ext>
-              </a:extLst>
-            </p:cNvPr>
-            <p:cNvSpPr/>
-            <p:nvPr/>
-          </p:nvSpPr>
-          <p:spPr>
-            <a:xfrm>
-              <a:off x="7419536" y="5854431"/>
-              <a:ext cx="1780972" cy="893054"/>
-            </a:xfrm>
-            <a:prstGeom prst="rect">
-              <a:avLst/>
-            </a:prstGeom>
-            <a:solidFill>
-              <a:schemeClr val="accent4">
-                <a:lumMod val="20000"/>
-                <a:lumOff val="80000"/>
-              </a:schemeClr>
-            </a:solidFill>
-            <a:ln>
-              <a:solidFill>
-                <a:schemeClr val="accent4">
-                  <a:lumMod val="20000"/>
-                  <a:lumOff val="80000"/>
-                </a:schemeClr>
-              </a:solidFill>
-            </a:ln>
-          </p:spPr>
-          <p:style>
-            <a:lnRef idx="2">
-              <a:schemeClr val="accent1">
-                <a:shade val="50000"/>
-              </a:schemeClr>
-            </a:lnRef>
-            <a:fillRef idx="1">
-              <a:schemeClr val="accent1"/>
-            </a:fillRef>
-            <a:effectRef idx="0">
-              <a:schemeClr val="accent1"/>
-            </a:effectRef>
-            <a:fontRef idx="minor">
-              <a:schemeClr val="lt1"/>
-            </a:fontRef>
-          </p:style>
-          <p:txBody>
-            <a:bodyPr rtlCol="0" anchor="ctr"/>
-            <a:lstStyle/>
-            <a:p>
-              <a:pPr algn="ctr"/>
-              <a:endParaRPr lang="en-GB"/>
-            </a:p>
-          </p:txBody>
-        </p:sp>
-        <p:sp>
-          <p:nvSpPr>
-            <p:cNvPr id="7" name="TextBox 6">
-              <a:extLst>
-                <a:ext uri="{FF2B5EF4-FFF2-40B4-BE49-F238E27FC236}">
-                  <a16:creationId xmlns:a16="http://schemas.microsoft.com/office/drawing/2014/main" id="{A60DF924-E876-41FB-6584-4DBBDD812577}"/>
+                  <a16:creationId xmlns:a16="http://schemas.microsoft.com/office/drawing/2014/main" id="{938CC6C2-0A10-3BBC-36A8-C80CDBD4F9B6}"/>
                 </a:ext>
               </a:extLst>
             </p:cNvPr>
@@ -3796,8 +5216,8 @@
           </p:nvSpPr>
           <p:spPr>
             <a:xfrm>
-              <a:off x="276215" y="673956"/>
-              <a:ext cx="4190572" cy="307777"/>
+              <a:off x="555867" y="1140278"/>
+              <a:ext cx="866519" cy="307777"/>
             </a:xfrm>
             <a:prstGeom prst="rect">
               <a:avLst/>
@@ -3805,1454 +5225,18 @@
             <a:noFill/>
           </p:spPr>
           <p:txBody>
-            <a:bodyPr wrap="square">
+            <a:bodyPr wrap="none" rtlCol="0">
               <a:spAutoFit/>
             </a:bodyPr>
             <a:lstStyle/>
             <a:p>
               <a:r>
-                <a:rPr lang="en-GB" sz="1400" dirty="0"/>
-                <a:t>%USERPROFILE%\.</a:t>
-              </a:r>
-              <a:r>
-                <a:rPr lang="en-GB" sz="1400" dirty="0" err="1"/>
-                <a:t>dapr</a:t>
-              </a:r>
-              <a:r>
-                <a:rPr lang="en-GB" sz="1400" dirty="0"/>
-                <a:t>\components\</a:t>
-              </a:r>
-              <a:r>
-                <a:rPr lang="en-GB" sz="1400" b="1" dirty="0" err="1">
-                  <a:solidFill>
-                    <a:srgbClr val="0070C0"/>
-                  </a:solidFill>
-                </a:rPr>
-                <a:t>statestore.yaml</a:t>
-              </a:r>
-              <a:endParaRPr lang="en-GB" sz="1400" b="1" dirty="0">
-                <a:solidFill>
-                  <a:srgbClr val="0070C0"/>
-                </a:solidFill>
-              </a:endParaRPr>
-            </a:p>
-          </p:txBody>
-        </p:sp>
-        <p:sp>
-          <p:nvSpPr>
-            <p:cNvPr id="11" name="TextBox 10">
-              <a:extLst>
-                <a:ext uri="{FF2B5EF4-FFF2-40B4-BE49-F238E27FC236}">
-                  <a16:creationId xmlns:a16="http://schemas.microsoft.com/office/drawing/2014/main" id="{BB29BC39-C03B-784C-DB49-48C6FCC265A7}"/>
-                </a:ext>
-              </a:extLst>
-            </p:cNvPr>
-            <p:cNvSpPr txBox="1"/>
-            <p:nvPr/>
-          </p:nvSpPr>
-          <p:spPr>
-            <a:xfrm>
-              <a:off x="2147400" y="1206800"/>
-              <a:ext cx="2377179" cy="4583242"/>
-            </a:xfrm>
-            <a:prstGeom prst="rect">
-              <a:avLst/>
-            </a:prstGeom>
-            <a:noFill/>
-          </p:spPr>
-          <p:txBody>
-            <a:bodyPr wrap="square">
-              <a:spAutoFit/>
-            </a:bodyPr>
-            <a:lstStyle/>
-            <a:p>
-              <a:pPr>
-                <a:lnSpc>
-                  <a:spcPct val="150000"/>
-                </a:lnSpc>
-              </a:pPr>
-              <a:r>
-                <a:rPr lang="en-GB" sz="1400" dirty="0" err="1"/>
-                <a:t>apiVersion</a:t>
-              </a:r>
-              <a:r>
-                <a:rPr lang="en-GB" sz="1400" dirty="0"/>
-                <a:t>: dapr.io/v1alpha1</a:t>
-              </a:r>
-            </a:p>
-            <a:p>
-              <a:pPr>
-                <a:lnSpc>
-                  <a:spcPct val="150000"/>
-                </a:lnSpc>
-              </a:pPr>
-              <a:r>
-                <a:rPr lang="en-GB" sz="1400" dirty="0"/>
-                <a:t>kind: Component</a:t>
-              </a:r>
-            </a:p>
-            <a:p>
-              <a:pPr>
-                <a:lnSpc>
-                  <a:spcPct val="150000"/>
-                </a:lnSpc>
-              </a:pPr>
-              <a:r>
-                <a:rPr lang="en-GB" sz="1400" dirty="0"/>
-                <a:t>metadata:</a:t>
-              </a:r>
-            </a:p>
-            <a:p>
-              <a:pPr>
-                <a:lnSpc>
-                  <a:spcPct val="150000"/>
-                </a:lnSpc>
-              </a:pPr>
-              <a:r>
-                <a:rPr lang="en-GB" sz="1400" dirty="0"/>
-                <a:t>  </a:t>
-              </a:r>
-              <a:r>
-                <a:rPr lang="en-GB" sz="1400" b="1" dirty="0">
-                  <a:solidFill>
-                    <a:srgbClr val="0070C0"/>
-                  </a:solidFill>
-                </a:rPr>
-                <a:t>name: </a:t>
-              </a:r>
-              <a:r>
-                <a:rPr lang="en-GB" sz="1400" b="1" dirty="0" err="1">
-                  <a:solidFill>
-                    <a:srgbClr val="0070C0"/>
-                  </a:solidFill>
-                </a:rPr>
-                <a:t>statestore</a:t>
-              </a:r>
-              <a:endParaRPr lang="en-GB" sz="1400" b="1" dirty="0">
-                <a:solidFill>
-                  <a:srgbClr val="0070C0"/>
-                </a:solidFill>
-              </a:endParaRPr>
-            </a:p>
-            <a:p>
-              <a:pPr>
-                <a:lnSpc>
-                  <a:spcPct val="150000"/>
-                </a:lnSpc>
-              </a:pPr>
-              <a:r>
-                <a:rPr lang="en-GB" sz="1400" dirty="0"/>
-                <a:t>spec:</a:t>
-              </a:r>
-            </a:p>
-            <a:p>
-              <a:pPr>
-                <a:lnSpc>
-                  <a:spcPct val="150000"/>
-                </a:lnSpc>
-              </a:pPr>
-              <a:r>
-                <a:rPr lang="en-GB" sz="1400" dirty="0"/>
-                <a:t>  </a:t>
-              </a:r>
-              <a:r>
-                <a:rPr lang="en-GB" sz="1400" b="1" dirty="0">
-                  <a:solidFill>
-                    <a:srgbClr val="0070C0"/>
-                  </a:solidFill>
-                </a:rPr>
-                <a:t>type: </a:t>
-              </a:r>
-              <a:r>
-                <a:rPr lang="en-GB" sz="1400" b="1" dirty="0" err="1">
-                  <a:solidFill>
-                    <a:srgbClr val="0070C0"/>
-                  </a:solidFill>
-                </a:rPr>
-                <a:t>state.redis</a:t>
-              </a:r>
-              <a:endParaRPr lang="en-GB" sz="1400" b="1" dirty="0">
-                <a:solidFill>
-                  <a:srgbClr val="0070C0"/>
-                </a:solidFill>
-              </a:endParaRPr>
-            </a:p>
-            <a:p>
-              <a:pPr>
-                <a:lnSpc>
-                  <a:spcPct val="150000"/>
-                </a:lnSpc>
-              </a:pPr>
-              <a:r>
-                <a:rPr lang="en-GB" sz="1400" dirty="0"/>
-                <a:t>  version: v1</a:t>
-              </a:r>
-            </a:p>
-            <a:p>
-              <a:pPr>
-                <a:lnSpc>
-                  <a:spcPct val="150000"/>
-                </a:lnSpc>
-              </a:pPr>
-              <a:r>
-                <a:rPr lang="en-GB" sz="1400" dirty="0"/>
-                <a:t>  metadata:</a:t>
-              </a:r>
-            </a:p>
-            <a:p>
-              <a:pPr>
-                <a:lnSpc>
-                  <a:spcPct val="150000"/>
-                </a:lnSpc>
-              </a:pPr>
-              <a:r>
-                <a:rPr lang="en-GB" sz="1400" dirty="0"/>
-                <a:t>  </a:t>
-              </a:r>
-              <a:r>
-                <a:rPr lang="en-GB" sz="1400" b="1" dirty="0">
-                  <a:solidFill>
-                    <a:srgbClr val="0070C0"/>
-                  </a:solidFill>
-                </a:rPr>
-                <a:t>- name: </a:t>
-              </a:r>
-              <a:r>
-                <a:rPr lang="en-GB" sz="1400" b="1" dirty="0" err="1">
-                  <a:solidFill>
-                    <a:srgbClr val="0070C0"/>
-                  </a:solidFill>
-                </a:rPr>
-                <a:t>redisHost</a:t>
-              </a:r>
-              <a:endParaRPr lang="en-GB" sz="1400" b="1" dirty="0">
-                <a:solidFill>
-                  <a:srgbClr val="0070C0"/>
-                </a:solidFill>
-              </a:endParaRPr>
-            </a:p>
-            <a:p>
-              <a:pPr>
-                <a:lnSpc>
-                  <a:spcPct val="150000"/>
-                </a:lnSpc>
-              </a:pPr>
-              <a:r>
-                <a:rPr lang="en-GB" sz="1400" b="1" dirty="0">
-                  <a:solidFill>
-                    <a:srgbClr val="0070C0"/>
-                  </a:solidFill>
-                </a:rPr>
-                <a:t>    value: localhost:6379</a:t>
-              </a:r>
-            </a:p>
-            <a:p>
-              <a:pPr>
-                <a:lnSpc>
-                  <a:spcPct val="150000"/>
-                </a:lnSpc>
-              </a:pPr>
-              <a:r>
-                <a:rPr lang="en-GB" sz="1400" dirty="0"/>
-                <a:t>  - name: </a:t>
-              </a:r>
-              <a:r>
-                <a:rPr lang="en-GB" sz="1400" dirty="0" err="1"/>
-                <a:t>redisPassword</a:t>
-              </a:r>
-              <a:endParaRPr lang="en-GB" sz="1400" dirty="0"/>
-            </a:p>
-            <a:p>
-              <a:pPr>
-                <a:lnSpc>
-                  <a:spcPct val="150000"/>
-                </a:lnSpc>
-              </a:pPr>
-              <a:r>
-                <a:rPr lang="en-GB" sz="1400" dirty="0"/>
-                <a:t>    value: ""</a:t>
-              </a:r>
-            </a:p>
-            <a:p>
-              <a:pPr>
-                <a:lnSpc>
-                  <a:spcPct val="150000"/>
-                </a:lnSpc>
-              </a:pPr>
-              <a:r>
-                <a:rPr lang="en-GB" sz="1400" dirty="0"/>
-                <a:t>  - name: </a:t>
-              </a:r>
-              <a:r>
-                <a:rPr lang="en-GB" sz="1400" dirty="0" err="1"/>
-                <a:t>actorStateStore</a:t>
-              </a:r>
-              <a:endParaRPr lang="en-GB" sz="1400" dirty="0"/>
-            </a:p>
-            <a:p>
-              <a:pPr>
-                <a:lnSpc>
-                  <a:spcPct val="150000"/>
-                </a:lnSpc>
-              </a:pPr>
-              <a:r>
-                <a:rPr lang="en-GB" sz="1400" dirty="0"/>
-                <a:t>    value: "true"</a:t>
+                <a:rPr lang="en-GB" sz="1400" b="1" dirty="0"/>
+                <a:t>HTTP API</a:t>
               </a:r>
             </a:p>
           </p:txBody>
         </p:sp>
-        <p:sp>
-          <p:nvSpPr>
-            <p:cNvPr id="15" name="TextBox 14">
-              <a:extLst>
-                <a:ext uri="{FF2B5EF4-FFF2-40B4-BE49-F238E27FC236}">
-                  <a16:creationId xmlns:a16="http://schemas.microsoft.com/office/drawing/2014/main" id="{B10CDD51-3CE5-7985-32D3-74D980D534DD}"/>
-                </a:ext>
-              </a:extLst>
-            </p:cNvPr>
-            <p:cNvSpPr txBox="1"/>
-            <p:nvPr/>
-          </p:nvSpPr>
-          <p:spPr>
-            <a:xfrm>
-              <a:off x="2011477" y="5948329"/>
-              <a:ext cx="8331057" cy="705258"/>
-            </a:xfrm>
-            <a:prstGeom prst="rect">
-              <a:avLst/>
-            </a:prstGeom>
-            <a:noFill/>
-          </p:spPr>
-          <p:txBody>
-            <a:bodyPr wrap="square">
-              <a:spAutoFit/>
-            </a:bodyPr>
-            <a:lstStyle/>
-            <a:p>
-              <a:pPr>
-                <a:lnSpc>
-                  <a:spcPct val="150000"/>
-                </a:lnSpc>
-              </a:pPr>
-              <a:r>
-                <a:rPr lang="en-GB" sz="1400" dirty="0"/>
-                <a:t> CONTAINER ID    IMAGE  COMMAND                       CREATED      STATUS         </a:t>
-              </a:r>
-              <a:r>
-                <a:rPr lang="en-GB" sz="1400" b="1" dirty="0">
-                  <a:solidFill>
-                    <a:srgbClr val="0070C0"/>
-                  </a:solidFill>
-                </a:rPr>
-                <a:t>PORTS </a:t>
-              </a:r>
-              <a:r>
-                <a:rPr lang="en-GB" sz="1400" dirty="0"/>
-                <a:t>                                   </a:t>
-              </a:r>
-              <a:r>
-                <a:rPr lang="en-GB" sz="1400" b="1" dirty="0">
-                  <a:solidFill>
-                    <a:srgbClr val="0070C0"/>
-                  </a:solidFill>
-                </a:rPr>
-                <a:t>NAMES</a:t>
-              </a:r>
-            </a:p>
-            <a:p>
-              <a:pPr>
-                <a:lnSpc>
-                  <a:spcPct val="150000"/>
-                </a:lnSpc>
-              </a:pPr>
-              <a:r>
-                <a:rPr lang="en-GB" sz="1400" dirty="0"/>
-                <a:t>  91b711910116  </a:t>
-              </a:r>
-              <a:r>
-                <a:rPr lang="en-GB" sz="1400" dirty="0" err="1"/>
-                <a:t>redis</a:t>
-              </a:r>
-              <a:r>
-                <a:rPr lang="en-GB" sz="1400" dirty="0"/>
-                <a:t>     "docker-</a:t>
-              </a:r>
-              <a:r>
-                <a:rPr lang="en-GB" sz="1400" dirty="0" err="1"/>
-                <a:t>entrypoint.s</a:t>
-              </a:r>
-              <a:r>
-                <a:rPr lang="en-GB" sz="1400" dirty="0"/>
-                <a:t>…"  6 hours ago  Up 6 hours  </a:t>
-              </a:r>
-              <a:r>
-                <a:rPr lang="en-GB" sz="1400" b="1" dirty="0">
-                  <a:solidFill>
-                    <a:srgbClr val="0070C0"/>
-                  </a:solidFill>
-                </a:rPr>
-                <a:t>0.0.0.0:6379-&gt;6379/</a:t>
-              </a:r>
-              <a:r>
-                <a:rPr lang="en-GB" sz="1400" b="1" dirty="0" err="1">
-                  <a:solidFill>
-                    <a:srgbClr val="0070C0"/>
-                  </a:solidFill>
-                </a:rPr>
-                <a:t>tcp</a:t>
-              </a:r>
-              <a:r>
-                <a:rPr lang="en-GB" sz="1400" b="1" dirty="0">
-                  <a:solidFill>
-                    <a:srgbClr val="0070C0"/>
-                  </a:solidFill>
-                </a:rPr>
-                <a:t>    </a:t>
-              </a:r>
-              <a:r>
-                <a:rPr lang="en-GB" sz="1400" b="1" dirty="0" err="1">
-                  <a:solidFill>
-                    <a:srgbClr val="0070C0"/>
-                  </a:solidFill>
-                </a:rPr>
-                <a:t>dapr_redis</a:t>
-              </a:r>
-              <a:endParaRPr lang="en-GB" sz="1400" b="1" dirty="0">
-                <a:solidFill>
-                  <a:srgbClr val="0070C0"/>
-                </a:solidFill>
-              </a:endParaRPr>
-            </a:p>
-          </p:txBody>
-        </p:sp>
-        <p:cxnSp>
-          <p:nvCxnSpPr>
-            <p:cNvPr id="20" name="직선 화살표 연결선 19">
-              <a:extLst>
-                <a:ext uri="{FF2B5EF4-FFF2-40B4-BE49-F238E27FC236}">
-                  <a16:creationId xmlns:a16="http://schemas.microsoft.com/office/drawing/2014/main" id="{11DD0E21-CFEA-AA1B-B5C6-657DAE1C3B41}"/>
-                </a:ext>
-              </a:extLst>
-            </p:cNvPr>
-            <p:cNvCxnSpPr>
-              <a:cxnSpLocks/>
-              <a:stCxn id="18" idx="2"/>
-            </p:cNvCxnSpPr>
-            <p:nvPr/>
-          </p:nvCxnSpPr>
-          <p:spPr>
-            <a:xfrm flipH="1">
-              <a:off x="3617090" y="1112002"/>
-              <a:ext cx="24554" cy="2816512"/>
-            </a:xfrm>
-            <a:prstGeom prst="straightConnector1">
-              <a:avLst/>
-            </a:prstGeom>
-            <a:ln w="57150">
-              <a:solidFill>
-                <a:srgbClr val="0070C0"/>
-              </a:solidFill>
-              <a:tailEnd type="triangle"/>
-            </a:ln>
-          </p:spPr>
-          <p:style>
-            <a:lnRef idx="1">
-              <a:schemeClr val="accent1"/>
-            </a:lnRef>
-            <a:fillRef idx="0">
-              <a:schemeClr val="accent1"/>
-            </a:fillRef>
-            <a:effectRef idx="0">
-              <a:schemeClr val="accent1"/>
-            </a:effectRef>
-            <a:fontRef idx="minor">
-              <a:schemeClr val="tx1"/>
-            </a:fontRef>
-          </p:style>
-        </p:cxnSp>
-        <p:cxnSp>
-          <p:nvCxnSpPr>
-            <p:cNvPr id="22" name="연결선: 꺾임 21">
-              <a:extLst>
-                <a:ext uri="{FF2B5EF4-FFF2-40B4-BE49-F238E27FC236}">
-                  <a16:creationId xmlns:a16="http://schemas.microsoft.com/office/drawing/2014/main" id="{89B99396-0023-A2EE-50B2-44CE7A9D138E}"/>
-                </a:ext>
-              </a:extLst>
-            </p:cNvPr>
-            <p:cNvCxnSpPr>
-              <a:cxnSpLocks/>
-              <a:stCxn id="17" idx="3"/>
-              <a:endCxn id="16" idx="0"/>
-            </p:cNvCxnSpPr>
-            <p:nvPr/>
-          </p:nvCxnSpPr>
-          <p:spPr>
-            <a:xfrm>
-              <a:off x="4231770" y="4163597"/>
-              <a:ext cx="4078252" cy="1690834"/>
-            </a:xfrm>
-            <a:prstGeom prst="bentConnector2">
-              <a:avLst/>
-            </a:prstGeom>
-            <a:ln w="57150">
-              <a:solidFill>
-                <a:srgbClr val="0070C0"/>
-              </a:solidFill>
-              <a:tailEnd type="triangle"/>
-            </a:ln>
-          </p:spPr>
-          <p:style>
-            <a:lnRef idx="1">
-              <a:schemeClr val="accent1"/>
-            </a:lnRef>
-            <a:fillRef idx="0">
-              <a:schemeClr val="accent1"/>
-            </a:fillRef>
-            <a:effectRef idx="0">
-              <a:schemeClr val="accent1"/>
-            </a:effectRef>
-            <a:fontRef idx="minor">
-              <a:schemeClr val="tx1"/>
-            </a:fontRef>
-          </p:style>
-        </p:cxnSp>
-        <p:sp>
-          <p:nvSpPr>
-            <p:cNvPr id="26" name="TextBox 25">
-              <a:extLst>
-                <a:ext uri="{FF2B5EF4-FFF2-40B4-BE49-F238E27FC236}">
-                  <a16:creationId xmlns:a16="http://schemas.microsoft.com/office/drawing/2014/main" id="{9FC3EE1E-37E3-A9B3-FB0E-511267595061}"/>
-                </a:ext>
-              </a:extLst>
-            </p:cNvPr>
-            <p:cNvSpPr txBox="1"/>
-            <p:nvPr/>
-          </p:nvSpPr>
-          <p:spPr>
-            <a:xfrm>
-              <a:off x="5042356" y="2756255"/>
-              <a:ext cx="3901282" cy="1028423"/>
-            </a:xfrm>
-            <a:prstGeom prst="rect">
-              <a:avLst/>
-            </a:prstGeom>
-            <a:noFill/>
-          </p:spPr>
-          <p:txBody>
-            <a:bodyPr wrap="square">
-              <a:spAutoFit/>
-            </a:bodyPr>
-            <a:lstStyle/>
-            <a:p>
-              <a:pPr>
-                <a:lnSpc>
-                  <a:spcPct val="150000"/>
-                </a:lnSpc>
-              </a:pPr>
-              <a:r>
-                <a:rPr lang="en-GB" sz="1400" b="1" dirty="0"/>
-                <a:t>POST</a:t>
-              </a:r>
-              <a:r>
-                <a:rPr lang="en-GB" sz="1400" dirty="0"/>
-                <a:t> http://localhost</a:t>
-              </a:r>
-              <a:r>
-                <a:rPr lang="en-GB" sz="1400" b="1" dirty="0">
-                  <a:solidFill>
-                    <a:srgbClr val="0070C0"/>
-                  </a:solidFill>
-                </a:rPr>
-                <a:t>:3500</a:t>
-              </a:r>
-              <a:r>
-                <a:rPr lang="en-GB" sz="1400" dirty="0"/>
-                <a:t>/v1.0/state/</a:t>
-              </a:r>
-              <a:r>
-                <a:rPr lang="en-GB" sz="1400" b="1" dirty="0">
-                  <a:solidFill>
-                    <a:srgbClr val="0070C0"/>
-                  </a:solidFill>
-                </a:rPr>
-                <a:t>statestore</a:t>
-              </a:r>
-            </a:p>
-            <a:p>
-              <a:pPr>
-                <a:lnSpc>
-                  <a:spcPct val="150000"/>
-                </a:lnSpc>
-              </a:pPr>
-              <a:r>
-                <a:rPr lang="en-GB" sz="1400" dirty="0"/>
-                <a:t>content-type: application/</a:t>
-              </a:r>
-              <a:r>
-                <a:rPr lang="en-GB" sz="1400" dirty="0" err="1"/>
-                <a:t>json</a:t>
-              </a:r>
-              <a:endParaRPr lang="en-GB" sz="1400" dirty="0"/>
-            </a:p>
-            <a:p>
-              <a:pPr>
-                <a:lnSpc>
-                  <a:spcPct val="150000"/>
-                </a:lnSpc>
-              </a:pPr>
-              <a:r>
-                <a:rPr lang="en-GB" sz="1400" dirty="0"/>
-                <a:t>[ { "key": "</a:t>
-              </a:r>
-              <a:r>
-                <a:rPr lang="en-GB" sz="1400" dirty="0" err="1"/>
-                <a:t>color</a:t>
-              </a:r>
-              <a:r>
-                <a:rPr lang="en-GB" sz="1400" dirty="0"/>
-                <a:t>", "value": "red" }]</a:t>
-              </a:r>
-            </a:p>
-          </p:txBody>
-        </p:sp>
-        <p:pic>
-          <p:nvPicPr>
-            <p:cNvPr id="28" name="그림 27">
-              <a:extLst>
-                <a:ext uri="{FF2B5EF4-FFF2-40B4-BE49-F238E27FC236}">
-                  <a16:creationId xmlns:a16="http://schemas.microsoft.com/office/drawing/2014/main" id="{E6B22C9B-2726-D41C-C37F-563414C10A8A}"/>
-                </a:ext>
-              </a:extLst>
-            </p:cNvPr>
-            <p:cNvPicPr>
-              <a:picLocks noChangeAspect="1"/>
-            </p:cNvPicPr>
-            <p:nvPr/>
-          </p:nvPicPr>
-          <p:blipFill>
-            <a:blip r:embed="rId2"/>
-            <a:stretch>
-              <a:fillRect/>
-            </a:stretch>
-          </p:blipFill>
-          <p:spPr>
-            <a:xfrm>
-              <a:off x="4905213" y="208118"/>
-              <a:ext cx="6871873" cy="2045091"/>
-            </a:xfrm>
-            <a:prstGeom prst="rect">
-              <a:avLst/>
-            </a:prstGeom>
-          </p:spPr>
-        </p:pic>
-        <p:cxnSp>
-          <p:nvCxnSpPr>
-            <p:cNvPr id="31" name="연결선: 꺾임 30">
-              <a:extLst>
-                <a:ext uri="{FF2B5EF4-FFF2-40B4-BE49-F238E27FC236}">
-                  <a16:creationId xmlns:a16="http://schemas.microsoft.com/office/drawing/2014/main" id="{2368BD21-33FC-1905-3DEF-E56C27B90618}"/>
-                </a:ext>
-              </a:extLst>
-            </p:cNvPr>
-            <p:cNvCxnSpPr>
-              <a:cxnSpLocks/>
-              <a:stCxn id="29" idx="3"/>
-              <a:endCxn id="30" idx="0"/>
-            </p:cNvCxnSpPr>
-            <p:nvPr/>
-          </p:nvCxnSpPr>
-          <p:spPr>
-            <a:xfrm>
-              <a:off x="4231769" y="2398732"/>
-              <a:ext cx="4096820" cy="342416"/>
-            </a:xfrm>
-            <a:prstGeom prst="bentConnector2">
-              <a:avLst/>
-            </a:prstGeom>
-            <a:ln w="57150">
-              <a:solidFill>
-                <a:schemeClr val="accent6"/>
-              </a:solidFill>
-              <a:tailEnd type="triangle"/>
-            </a:ln>
-          </p:spPr>
-          <p:style>
-            <a:lnRef idx="1">
-              <a:schemeClr val="accent1"/>
-            </a:lnRef>
-            <a:fillRef idx="0">
-              <a:schemeClr val="accent1"/>
-            </a:fillRef>
-            <a:effectRef idx="0">
-              <a:schemeClr val="accent1"/>
-            </a:effectRef>
-            <a:fontRef idx="minor">
-              <a:schemeClr val="tx1"/>
-            </a:fontRef>
-          </p:style>
-        </p:cxnSp>
-        <p:cxnSp>
-          <p:nvCxnSpPr>
-            <p:cNvPr id="39" name="직선 화살표 연결선 38">
-              <a:extLst>
-                <a:ext uri="{FF2B5EF4-FFF2-40B4-BE49-F238E27FC236}">
-                  <a16:creationId xmlns:a16="http://schemas.microsoft.com/office/drawing/2014/main" id="{F537F6A1-3BDF-30F5-07A4-D5620E1E467F}"/>
-                </a:ext>
-              </a:extLst>
-            </p:cNvPr>
-            <p:cNvCxnSpPr/>
-            <p:nvPr/>
-          </p:nvCxnSpPr>
-          <p:spPr>
-            <a:xfrm>
-              <a:off x="8680478" y="475911"/>
-              <a:ext cx="441789" cy="0"/>
-            </a:xfrm>
-            <a:prstGeom prst="straightConnector1">
-              <a:avLst/>
-            </a:prstGeom>
-            <a:ln w="57150">
-              <a:solidFill>
-                <a:srgbClr val="FFFF00"/>
-              </a:solidFill>
-              <a:headEnd type="none" w="med" len="med"/>
-              <a:tailEnd type="none" w="med" len="med"/>
-            </a:ln>
-          </p:spPr>
-          <p:style>
-            <a:lnRef idx="1">
-              <a:schemeClr val="accent1"/>
-            </a:lnRef>
-            <a:fillRef idx="0">
-              <a:schemeClr val="accent1"/>
-            </a:fillRef>
-            <a:effectRef idx="0">
-              <a:schemeClr val="accent1"/>
-            </a:effectRef>
-            <a:fontRef idx="minor">
-              <a:schemeClr val="tx1"/>
-            </a:fontRef>
-          </p:style>
-        </p:cxnSp>
-        <p:cxnSp>
-          <p:nvCxnSpPr>
-            <p:cNvPr id="40" name="직선 화살표 연결선 39">
-              <a:extLst>
-                <a:ext uri="{FF2B5EF4-FFF2-40B4-BE49-F238E27FC236}">
-                  <a16:creationId xmlns:a16="http://schemas.microsoft.com/office/drawing/2014/main" id="{34053996-834C-BFF2-183C-B7B55286326A}"/>
-                </a:ext>
-              </a:extLst>
-            </p:cNvPr>
-            <p:cNvCxnSpPr>
-              <a:cxnSpLocks/>
-            </p:cNvCxnSpPr>
-            <p:nvPr/>
-          </p:nvCxnSpPr>
-          <p:spPr>
-            <a:xfrm>
-              <a:off x="11103467" y="895436"/>
-              <a:ext cx="541105" cy="0"/>
-            </a:xfrm>
-            <a:prstGeom prst="straightConnector1">
-              <a:avLst/>
-            </a:prstGeom>
-            <a:ln w="57150">
-              <a:solidFill>
-                <a:srgbClr val="FFFF00"/>
-              </a:solidFill>
-              <a:headEnd type="none" w="med" len="med"/>
-              <a:tailEnd type="none" w="med" len="med"/>
-            </a:ln>
-          </p:spPr>
-          <p:style>
-            <a:lnRef idx="1">
-              <a:schemeClr val="accent1"/>
-            </a:lnRef>
-            <a:fillRef idx="0">
-              <a:schemeClr val="accent1"/>
-            </a:fillRef>
-            <a:effectRef idx="0">
-              <a:schemeClr val="accent1"/>
-            </a:effectRef>
-            <a:fontRef idx="minor">
-              <a:schemeClr val="tx1"/>
-            </a:fontRef>
-          </p:style>
-        </p:cxnSp>
-        <p:cxnSp>
-          <p:nvCxnSpPr>
-            <p:cNvPr id="42" name="직선 화살표 연결선 41">
-              <a:extLst>
-                <a:ext uri="{FF2B5EF4-FFF2-40B4-BE49-F238E27FC236}">
-                  <a16:creationId xmlns:a16="http://schemas.microsoft.com/office/drawing/2014/main" id="{132C1A7B-BF1B-C27F-629C-6A98546DDC8E}"/>
-                </a:ext>
-              </a:extLst>
-            </p:cNvPr>
-            <p:cNvCxnSpPr>
-              <a:cxnSpLocks/>
-            </p:cNvCxnSpPr>
-            <p:nvPr/>
-          </p:nvCxnSpPr>
-          <p:spPr>
-            <a:xfrm>
-              <a:off x="8516949" y="1412572"/>
-              <a:ext cx="541105" cy="0"/>
-            </a:xfrm>
-            <a:prstGeom prst="straightConnector1">
-              <a:avLst/>
-            </a:prstGeom>
-            <a:ln w="57150">
-              <a:solidFill>
-                <a:srgbClr val="FFFF00"/>
-              </a:solidFill>
-              <a:headEnd type="none" w="med" len="med"/>
-              <a:tailEnd type="none" w="med" len="med"/>
-            </a:ln>
-          </p:spPr>
-          <p:style>
-            <a:lnRef idx="1">
-              <a:schemeClr val="accent1"/>
-            </a:lnRef>
-            <a:fillRef idx="0">
-              <a:schemeClr val="accent1"/>
-            </a:fillRef>
-            <a:effectRef idx="0">
-              <a:schemeClr val="accent1"/>
-            </a:effectRef>
-            <a:fontRef idx="minor">
-              <a:schemeClr val="tx1"/>
-            </a:fontRef>
-          </p:style>
-        </p:cxnSp>
-        <p:cxnSp>
-          <p:nvCxnSpPr>
-            <p:cNvPr id="44" name="직선 화살표 연결선 43">
-              <a:extLst>
-                <a:ext uri="{FF2B5EF4-FFF2-40B4-BE49-F238E27FC236}">
-                  <a16:creationId xmlns:a16="http://schemas.microsoft.com/office/drawing/2014/main" id="{476BC4F4-BD52-18DF-DB8E-28ACD1D78763}"/>
-                </a:ext>
-              </a:extLst>
-            </p:cNvPr>
-            <p:cNvCxnSpPr>
-              <a:cxnSpLocks/>
-            </p:cNvCxnSpPr>
-            <p:nvPr/>
-          </p:nvCxnSpPr>
-          <p:spPr>
-            <a:xfrm flipH="1">
-              <a:off x="8772945" y="475911"/>
-              <a:ext cx="133564" cy="715478"/>
-            </a:xfrm>
-            <a:prstGeom prst="straightConnector1">
-              <a:avLst/>
-            </a:prstGeom>
-            <a:ln w="19050">
-              <a:solidFill>
-                <a:srgbClr val="FFFF00"/>
-              </a:solidFill>
-              <a:tailEnd type="triangle"/>
-            </a:ln>
-          </p:spPr>
-          <p:style>
-            <a:lnRef idx="1">
-              <a:schemeClr val="accent1"/>
-            </a:lnRef>
-            <a:fillRef idx="0">
-              <a:schemeClr val="accent1"/>
-            </a:fillRef>
-            <a:effectRef idx="0">
-              <a:schemeClr val="accent1"/>
-            </a:effectRef>
-            <a:fontRef idx="minor">
-              <a:schemeClr val="tx1"/>
-            </a:fontRef>
-          </p:style>
-        </p:cxnSp>
-        <p:sp>
-          <p:nvSpPr>
-            <p:cNvPr id="51" name="오른쪽 중괄호 50">
-              <a:extLst>
-                <a:ext uri="{FF2B5EF4-FFF2-40B4-BE49-F238E27FC236}">
-                  <a16:creationId xmlns:a16="http://schemas.microsoft.com/office/drawing/2014/main" id="{0119F73B-F5AC-D32B-7421-19D49A1378FA}"/>
-                </a:ext>
-              </a:extLst>
-            </p:cNvPr>
-            <p:cNvSpPr/>
-            <p:nvPr/>
-          </p:nvSpPr>
-          <p:spPr>
-            <a:xfrm>
-              <a:off x="8943638" y="2669463"/>
-              <a:ext cx="135425" cy="1202005"/>
-            </a:xfrm>
-            <a:prstGeom prst="rightBrace">
-              <a:avLst>
-                <a:gd name="adj1" fmla="val 53994"/>
-                <a:gd name="adj2" fmla="val 50000"/>
-              </a:avLst>
-            </a:prstGeom>
-            <a:ln w="28575">
-              <a:solidFill>
-                <a:schemeClr val="accent6"/>
-              </a:solidFill>
-            </a:ln>
-          </p:spPr>
-          <p:style>
-            <a:lnRef idx="1">
-              <a:schemeClr val="accent1"/>
-            </a:lnRef>
-            <a:fillRef idx="0">
-              <a:schemeClr val="accent1"/>
-            </a:fillRef>
-            <a:effectRef idx="0">
-              <a:schemeClr val="accent1"/>
-            </a:effectRef>
-            <a:fontRef idx="minor">
-              <a:schemeClr val="tx1"/>
-            </a:fontRef>
-          </p:style>
-          <p:txBody>
-            <a:bodyPr rtlCol="0" anchor="ctr"/>
-            <a:lstStyle/>
-            <a:p>
-              <a:pPr algn="ctr"/>
-              <a:endParaRPr lang="en-GB"/>
-            </a:p>
-          </p:txBody>
-        </p:sp>
-        <p:cxnSp>
-          <p:nvCxnSpPr>
-            <p:cNvPr id="56" name="연결선: 꺾임 55">
-              <a:extLst>
-                <a:ext uri="{FF2B5EF4-FFF2-40B4-BE49-F238E27FC236}">
-                  <a16:creationId xmlns:a16="http://schemas.microsoft.com/office/drawing/2014/main" id="{65C92BD3-ED58-808F-6309-97B681FFC926}"/>
-                </a:ext>
-              </a:extLst>
-            </p:cNvPr>
-            <p:cNvCxnSpPr>
-              <a:cxnSpLocks/>
-              <a:stCxn id="59" idx="3"/>
-              <a:endCxn id="49" idx="0"/>
-            </p:cNvCxnSpPr>
-            <p:nvPr/>
-          </p:nvCxnSpPr>
-          <p:spPr>
-            <a:xfrm>
-              <a:off x="9061629" y="3265329"/>
-              <a:ext cx="672056" cy="2589102"/>
-            </a:xfrm>
-            <a:prstGeom prst="bentConnector2">
-              <a:avLst/>
-            </a:prstGeom>
-            <a:ln w="57150">
-              <a:solidFill>
-                <a:schemeClr val="accent6"/>
-              </a:solidFill>
-              <a:tailEnd type="triangle"/>
-            </a:ln>
-          </p:spPr>
-          <p:style>
-            <a:lnRef idx="1">
-              <a:schemeClr val="accent1"/>
-            </a:lnRef>
-            <a:fillRef idx="0">
-              <a:schemeClr val="accent1"/>
-            </a:fillRef>
-            <a:effectRef idx="0">
-              <a:schemeClr val="accent1"/>
-            </a:effectRef>
-            <a:fontRef idx="minor">
-              <a:schemeClr val="tx1"/>
-            </a:fontRef>
-          </p:style>
-        </p:cxnSp>
-        <p:sp>
-          <p:nvSpPr>
-            <p:cNvPr id="59" name="직사각형 58">
-              <a:extLst>
-                <a:ext uri="{FF2B5EF4-FFF2-40B4-BE49-F238E27FC236}">
-                  <a16:creationId xmlns:a16="http://schemas.microsoft.com/office/drawing/2014/main" id="{88BCD2B3-A47B-C2D8-C100-174A85CDB2CA}"/>
-                </a:ext>
-              </a:extLst>
-            </p:cNvPr>
-            <p:cNvSpPr/>
-            <p:nvPr/>
-          </p:nvSpPr>
-          <p:spPr>
-            <a:xfrm>
-              <a:off x="8778766" y="3112161"/>
-              <a:ext cx="282863" cy="306335"/>
-            </a:xfrm>
-            <a:prstGeom prst="rect">
-              <a:avLst/>
-            </a:prstGeom>
-            <a:noFill/>
-            <a:ln>
-              <a:noFill/>
-            </a:ln>
-          </p:spPr>
-          <p:style>
-            <a:lnRef idx="2">
-              <a:schemeClr val="accent1">
-                <a:shade val="50000"/>
-              </a:schemeClr>
-            </a:lnRef>
-            <a:fillRef idx="1">
-              <a:schemeClr val="accent1"/>
-            </a:fillRef>
-            <a:effectRef idx="0">
-              <a:schemeClr val="accent1"/>
-            </a:effectRef>
-            <a:fontRef idx="minor">
-              <a:schemeClr val="lt1"/>
-            </a:fontRef>
-          </p:style>
-          <p:txBody>
-            <a:bodyPr rtlCol="0" anchor="ctr"/>
-            <a:lstStyle/>
-            <a:p>
-              <a:pPr algn="ctr"/>
-              <a:endParaRPr lang="en-GB"/>
-            </a:p>
-          </p:txBody>
-        </p:sp>
-        <p:grpSp>
-          <p:nvGrpSpPr>
-            <p:cNvPr id="66" name="그룹 65">
-              <a:extLst>
-                <a:ext uri="{FF2B5EF4-FFF2-40B4-BE49-F238E27FC236}">
-                  <a16:creationId xmlns:a16="http://schemas.microsoft.com/office/drawing/2014/main" id="{4A25E892-184C-DA3E-EA8D-21B7A8070084}"/>
-                </a:ext>
-              </a:extLst>
-            </p:cNvPr>
-            <p:cNvGrpSpPr/>
-            <p:nvPr/>
-          </p:nvGrpSpPr>
-          <p:grpSpPr>
-            <a:xfrm>
-              <a:off x="167819" y="1092449"/>
-              <a:ext cx="1587222" cy="403435"/>
-              <a:chOff x="167819" y="1092449"/>
-              <a:chExt cx="1587222" cy="403435"/>
-            </a:xfrm>
-          </p:grpSpPr>
-          <p:sp>
-            <p:nvSpPr>
-              <p:cNvPr id="64" name="타원 63">
-                <a:extLst>
-                  <a:ext uri="{FF2B5EF4-FFF2-40B4-BE49-F238E27FC236}">
-                    <a16:creationId xmlns:a16="http://schemas.microsoft.com/office/drawing/2014/main" id="{1F4C8239-36BB-1E44-C5A8-589BD460EDC9}"/>
-                  </a:ext>
-                </a:extLst>
-              </p:cNvPr>
-              <p:cNvSpPr/>
-              <p:nvPr/>
-            </p:nvSpPr>
-            <p:spPr>
-              <a:xfrm>
-                <a:off x="167819" y="1092449"/>
-                <a:ext cx="393509" cy="403435"/>
-              </a:xfrm>
-              <a:prstGeom prst="ellipse">
-                <a:avLst/>
-              </a:prstGeom>
-              <a:solidFill>
-                <a:schemeClr val="tx1"/>
-              </a:solidFill>
-            </p:spPr>
-            <p:style>
-              <a:lnRef idx="2">
-                <a:schemeClr val="accent1">
-                  <a:shade val="50000"/>
-                </a:schemeClr>
-              </a:lnRef>
-              <a:fillRef idx="1">
-                <a:schemeClr val="accent1"/>
-              </a:fillRef>
-              <a:effectRef idx="0">
-                <a:schemeClr val="accent1"/>
-              </a:effectRef>
-              <a:fontRef idx="minor">
-                <a:schemeClr val="lt1"/>
-              </a:fontRef>
-            </p:style>
-            <p:txBody>
-              <a:bodyPr rtlCol="0" anchor="ctr"/>
-              <a:lstStyle/>
-              <a:p>
-                <a:pPr algn="ctr"/>
-                <a:r>
-                  <a:rPr lang="en-GB" b="1" dirty="0"/>
-                  <a:t>1</a:t>
-                </a:r>
-              </a:p>
-            </p:txBody>
-          </p:sp>
-          <p:sp>
-            <p:nvSpPr>
-              <p:cNvPr id="65" name="TextBox 64">
-                <a:extLst>
-                  <a:ext uri="{FF2B5EF4-FFF2-40B4-BE49-F238E27FC236}">
-                    <a16:creationId xmlns:a16="http://schemas.microsoft.com/office/drawing/2014/main" id="{C8A2DE55-5085-BA05-270C-7FC348A79E28}"/>
-                  </a:ext>
-                </a:extLst>
-              </p:cNvPr>
-              <p:cNvSpPr txBox="1"/>
-              <p:nvPr/>
-            </p:nvSpPr>
-            <p:spPr>
-              <a:xfrm>
-                <a:off x="555867" y="1140278"/>
-                <a:ext cx="1199174" cy="307777"/>
-              </a:xfrm>
-              <a:prstGeom prst="rect">
-                <a:avLst/>
-              </a:prstGeom>
-              <a:noFill/>
-            </p:spPr>
-            <p:txBody>
-              <a:bodyPr wrap="none" rtlCol="0">
-                <a:spAutoFit/>
-              </a:bodyPr>
-              <a:lstStyle/>
-              <a:p>
-                <a:r>
-                  <a:rPr lang="en-GB" sz="1400" b="1" dirty="0"/>
-                  <a:t>Configuration</a:t>
-                </a:r>
-              </a:p>
-            </p:txBody>
-          </p:sp>
-        </p:grpSp>
-        <p:grpSp>
-          <p:nvGrpSpPr>
-            <p:cNvPr id="67" name="그룹 66">
-              <a:extLst>
-                <a:ext uri="{FF2B5EF4-FFF2-40B4-BE49-F238E27FC236}">
-                  <a16:creationId xmlns:a16="http://schemas.microsoft.com/office/drawing/2014/main" id="{E032A788-A56A-2651-CEB3-89E99B5F281C}"/>
-                </a:ext>
-              </a:extLst>
-            </p:cNvPr>
-            <p:cNvGrpSpPr/>
-            <p:nvPr/>
-          </p:nvGrpSpPr>
-          <p:grpSpPr>
-            <a:xfrm>
-              <a:off x="709589" y="6099240"/>
-              <a:ext cx="1301888" cy="403435"/>
-              <a:chOff x="167819" y="1092449"/>
-              <a:chExt cx="1301888" cy="403435"/>
-            </a:xfrm>
-          </p:grpSpPr>
-          <p:sp>
-            <p:nvSpPr>
-              <p:cNvPr id="68" name="타원 67">
-                <a:extLst>
-                  <a:ext uri="{FF2B5EF4-FFF2-40B4-BE49-F238E27FC236}">
-                    <a16:creationId xmlns:a16="http://schemas.microsoft.com/office/drawing/2014/main" id="{697F37C3-7A89-9866-1418-756E59CBAD6C}"/>
-                  </a:ext>
-                </a:extLst>
-              </p:cNvPr>
-              <p:cNvSpPr/>
-              <p:nvPr/>
-            </p:nvSpPr>
-            <p:spPr>
-              <a:xfrm>
-                <a:off x="167819" y="1092449"/>
-                <a:ext cx="393509" cy="403435"/>
-              </a:xfrm>
-              <a:prstGeom prst="ellipse">
-                <a:avLst/>
-              </a:prstGeom>
-              <a:solidFill>
-                <a:schemeClr val="tx1"/>
-              </a:solidFill>
-            </p:spPr>
-            <p:style>
-              <a:lnRef idx="2">
-                <a:schemeClr val="accent1">
-                  <a:shade val="50000"/>
-                </a:schemeClr>
-              </a:lnRef>
-              <a:fillRef idx="1">
-                <a:schemeClr val="accent1"/>
-              </a:fillRef>
-              <a:effectRef idx="0">
-                <a:schemeClr val="accent1"/>
-              </a:effectRef>
-              <a:fontRef idx="minor">
-                <a:schemeClr val="lt1"/>
-              </a:fontRef>
-            </p:style>
-            <p:txBody>
-              <a:bodyPr rtlCol="0" anchor="ctr"/>
-              <a:lstStyle/>
-              <a:p>
-                <a:pPr algn="ctr"/>
-                <a:r>
-                  <a:rPr lang="en-GB" b="1" dirty="0"/>
-                  <a:t>2</a:t>
-                </a:r>
-              </a:p>
-            </p:txBody>
-          </p:sp>
-          <p:sp>
-            <p:nvSpPr>
-              <p:cNvPr id="69" name="TextBox 68">
-                <a:extLst>
-                  <a:ext uri="{FF2B5EF4-FFF2-40B4-BE49-F238E27FC236}">
-                    <a16:creationId xmlns:a16="http://schemas.microsoft.com/office/drawing/2014/main" id="{BE0803A8-3BC4-0B0B-CA6C-05ED54EBA220}"/>
-                  </a:ext>
-                </a:extLst>
-              </p:cNvPr>
-              <p:cNvSpPr txBox="1"/>
-              <p:nvPr/>
-            </p:nvSpPr>
-            <p:spPr>
-              <a:xfrm>
-                <a:off x="555867" y="1140278"/>
-                <a:ext cx="913840" cy="307777"/>
-              </a:xfrm>
-              <a:prstGeom prst="rect">
-                <a:avLst/>
-              </a:prstGeom>
-              <a:noFill/>
-            </p:spPr>
-            <p:txBody>
-              <a:bodyPr wrap="none" rtlCol="0">
-                <a:spAutoFit/>
-              </a:bodyPr>
-              <a:lstStyle/>
-              <a:p>
-                <a:r>
-                  <a:rPr lang="en-GB" sz="1400" b="1" dirty="0"/>
-                  <a:t>Container</a:t>
-                </a:r>
-              </a:p>
-            </p:txBody>
-          </p:sp>
-        </p:grpSp>
-        <p:grpSp>
-          <p:nvGrpSpPr>
-            <p:cNvPr id="70" name="그룹 69">
-              <a:extLst>
-                <a:ext uri="{FF2B5EF4-FFF2-40B4-BE49-F238E27FC236}">
-                  <a16:creationId xmlns:a16="http://schemas.microsoft.com/office/drawing/2014/main" id="{9A46FED5-B90A-9EC8-4790-8E739F59B320}"/>
-                </a:ext>
-              </a:extLst>
-            </p:cNvPr>
-            <p:cNvGrpSpPr/>
-            <p:nvPr/>
-          </p:nvGrpSpPr>
-          <p:grpSpPr>
-            <a:xfrm>
-              <a:off x="10222787" y="2318540"/>
-              <a:ext cx="1609793" cy="403435"/>
-              <a:chOff x="167819" y="1092449"/>
-              <a:chExt cx="1609793" cy="403435"/>
-            </a:xfrm>
-          </p:grpSpPr>
-          <p:sp>
-            <p:nvSpPr>
-              <p:cNvPr id="71" name="타원 70">
-                <a:extLst>
-                  <a:ext uri="{FF2B5EF4-FFF2-40B4-BE49-F238E27FC236}">
-                    <a16:creationId xmlns:a16="http://schemas.microsoft.com/office/drawing/2014/main" id="{EBF5A94F-A2AC-0528-801B-5BBAF2045D98}"/>
-                  </a:ext>
-                </a:extLst>
-              </p:cNvPr>
-              <p:cNvSpPr/>
-              <p:nvPr/>
-            </p:nvSpPr>
-            <p:spPr>
-              <a:xfrm>
-                <a:off x="167819" y="1092449"/>
-                <a:ext cx="393509" cy="403435"/>
-              </a:xfrm>
-              <a:prstGeom prst="ellipse">
-                <a:avLst/>
-              </a:prstGeom>
-              <a:solidFill>
-                <a:schemeClr val="tx1"/>
-              </a:solidFill>
-            </p:spPr>
-            <p:style>
-              <a:lnRef idx="2">
-                <a:schemeClr val="accent1">
-                  <a:shade val="50000"/>
-                </a:schemeClr>
-              </a:lnRef>
-              <a:fillRef idx="1">
-                <a:schemeClr val="accent1"/>
-              </a:fillRef>
-              <a:effectRef idx="0">
-                <a:schemeClr val="accent1"/>
-              </a:effectRef>
-              <a:fontRef idx="minor">
-                <a:schemeClr val="lt1"/>
-              </a:fontRef>
-            </p:style>
-            <p:txBody>
-              <a:bodyPr rtlCol="0" anchor="ctr"/>
-              <a:lstStyle/>
-              <a:p>
-                <a:pPr algn="ctr"/>
-                <a:r>
-                  <a:rPr lang="en-GB" b="1" dirty="0"/>
-                  <a:t>3</a:t>
-                </a:r>
-              </a:p>
-            </p:txBody>
-          </p:sp>
-          <p:sp>
-            <p:nvSpPr>
-              <p:cNvPr id="72" name="TextBox 71">
-                <a:extLst>
-                  <a:ext uri="{FF2B5EF4-FFF2-40B4-BE49-F238E27FC236}">
-                    <a16:creationId xmlns:a16="http://schemas.microsoft.com/office/drawing/2014/main" id="{33AE5B8D-E62A-AC29-1786-768CC2C27DFA}"/>
-                  </a:ext>
-                </a:extLst>
-              </p:cNvPr>
-              <p:cNvSpPr txBox="1"/>
-              <p:nvPr/>
-            </p:nvSpPr>
-            <p:spPr>
-              <a:xfrm>
-                <a:off x="555867" y="1140278"/>
-                <a:ext cx="1221745" cy="307777"/>
-              </a:xfrm>
-              <a:prstGeom prst="rect">
-                <a:avLst/>
-              </a:prstGeom>
-              <a:noFill/>
-            </p:spPr>
-            <p:txBody>
-              <a:bodyPr wrap="none" rtlCol="0">
-                <a:spAutoFit/>
-              </a:bodyPr>
-              <a:lstStyle/>
-              <a:p>
-                <a:r>
-                  <a:rPr lang="en-GB" sz="1400" b="1" dirty="0" err="1"/>
-                  <a:t>Dapr</a:t>
-                </a:r>
-                <a:r>
-                  <a:rPr lang="en-GB" sz="1400" b="1" dirty="0"/>
-                  <a:t> Runtime</a:t>
-                </a:r>
-              </a:p>
-            </p:txBody>
-          </p:sp>
-        </p:grpSp>
-        <p:grpSp>
-          <p:nvGrpSpPr>
-            <p:cNvPr id="73" name="그룹 72">
-              <a:extLst>
-                <a:ext uri="{FF2B5EF4-FFF2-40B4-BE49-F238E27FC236}">
-                  <a16:creationId xmlns:a16="http://schemas.microsoft.com/office/drawing/2014/main" id="{BD8CD182-380B-AD36-0683-AF4F27BF6D40}"/>
-                </a:ext>
-              </a:extLst>
-            </p:cNvPr>
-            <p:cNvGrpSpPr/>
-            <p:nvPr/>
-          </p:nvGrpSpPr>
-          <p:grpSpPr>
-            <a:xfrm>
-              <a:off x="9851676" y="3884767"/>
-              <a:ext cx="1254567" cy="403435"/>
-              <a:chOff x="167819" y="1092449"/>
-              <a:chExt cx="1254567" cy="403435"/>
-            </a:xfrm>
-          </p:grpSpPr>
-          <p:sp>
-            <p:nvSpPr>
-              <p:cNvPr id="74" name="타원 73">
-                <a:extLst>
-                  <a:ext uri="{FF2B5EF4-FFF2-40B4-BE49-F238E27FC236}">
-                    <a16:creationId xmlns:a16="http://schemas.microsoft.com/office/drawing/2014/main" id="{91CD2B88-B887-BF10-1C1E-1D44CF969BF1}"/>
-                  </a:ext>
-                </a:extLst>
-              </p:cNvPr>
-              <p:cNvSpPr/>
-              <p:nvPr/>
-            </p:nvSpPr>
-            <p:spPr>
-              <a:xfrm>
-                <a:off x="167819" y="1092449"/>
-                <a:ext cx="393509" cy="403435"/>
-              </a:xfrm>
-              <a:prstGeom prst="ellipse">
-                <a:avLst/>
-              </a:prstGeom>
-              <a:solidFill>
-                <a:schemeClr val="tx1"/>
-              </a:solidFill>
-            </p:spPr>
-            <p:style>
-              <a:lnRef idx="2">
-                <a:schemeClr val="accent1">
-                  <a:shade val="50000"/>
-                </a:schemeClr>
-              </a:lnRef>
-              <a:fillRef idx="1">
-                <a:schemeClr val="accent1"/>
-              </a:fillRef>
-              <a:effectRef idx="0">
-                <a:schemeClr val="accent1"/>
-              </a:effectRef>
-              <a:fontRef idx="minor">
-                <a:schemeClr val="lt1"/>
-              </a:fontRef>
-            </p:style>
-            <p:txBody>
-              <a:bodyPr rtlCol="0" anchor="ctr"/>
-              <a:lstStyle/>
-              <a:p>
-                <a:pPr algn="ctr"/>
-                <a:r>
-                  <a:rPr lang="en-GB" b="1" dirty="0"/>
-                  <a:t>4</a:t>
-                </a:r>
-              </a:p>
-            </p:txBody>
-          </p:sp>
-          <p:sp>
-            <p:nvSpPr>
-              <p:cNvPr id="75" name="TextBox 74">
-                <a:extLst>
-                  <a:ext uri="{FF2B5EF4-FFF2-40B4-BE49-F238E27FC236}">
-                    <a16:creationId xmlns:a16="http://schemas.microsoft.com/office/drawing/2014/main" id="{938CC6C2-0A10-3BBC-36A8-C80CDBD4F9B6}"/>
-                  </a:ext>
-                </a:extLst>
-              </p:cNvPr>
-              <p:cNvSpPr txBox="1"/>
-              <p:nvPr/>
-            </p:nvSpPr>
-            <p:spPr>
-              <a:xfrm>
-                <a:off x="555867" y="1140278"/>
-                <a:ext cx="866519" cy="307777"/>
-              </a:xfrm>
-              <a:prstGeom prst="rect">
-                <a:avLst/>
-              </a:prstGeom>
-              <a:noFill/>
-            </p:spPr>
-            <p:txBody>
-              <a:bodyPr wrap="none" rtlCol="0">
-                <a:spAutoFit/>
-              </a:bodyPr>
-              <a:lstStyle/>
-              <a:p>
-                <a:r>
-                  <a:rPr lang="en-GB" sz="1400" b="1" dirty="0"/>
-                  <a:t>HTTP API</a:t>
-                </a:r>
-              </a:p>
-            </p:txBody>
-          </p:sp>
-        </p:grpSp>
       </p:grpSp>
     </p:spTree>
     <p:extLst>

--- a/Dapr_1_Fundamentals/Dapr_1_Fundamentals.pptx
+++ b/Dapr_1_Fundamentals/Dapr_1_Fundamentals.pptx
@@ -6,6 +6,7 @@
   </p:sldMasterIdLst>
   <p:sldIdLst>
     <p:sldId id="256" r:id="rId2"/>
+    <p:sldId id="257" r:id="rId3"/>
   </p:sldIdLst>
   <p:sldSz cx="12192000" cy="6858000"/>
   <p:notesSz cx="6858000" cy="9144000"/>
@@ -261,7 +262,7 @@
           <a:p>
             <a:fld id="{4D0C7856-2EFE-4594-8EAE-CFD27F89D363}" type="datetimeFigureOut">
               <a:rPr lang="en-GB" smtClean="0"/>
-              <a:t>05/06/2022</a:t>
+              <a:t>06/06/2022</a:t>
             </a:fld>
             <a:endParaRPr lang="en-GB"/>
           </a:p>
@@ -461,7 +462,7 @@
           <a:p>
             <a:fld id="{4D0C7856-2EFE-4594-8EAE-CFD27F89D363}" type="datetimeFigureOut">
               <a:rPr lang="en-GB" smtClean="0"/>
-              <a:t>05/06/2022</a:t>
+              <a:t>06/06/2022</a:t>
             </a:fld>
             <a:endParaRPr lang="en-GB"/>
           </a:p>
@@ -671,7 +672,7 @@
           <a:p>
             <a:fld id="{4D0C7856-2EFE-4594-8EAE-CFD27F89D363}" type="datetimeFigureOut">
               <a:rPr lang="en-GB" smtClean="0"/>
-              <a:t>05/06/2022</a:t>
+              <a:t>06/06/2022</a:t>
             </a:fld>
             <a:endParaRPr lang="en-GB"/>
           </a:p>
@@ -871,7 +872,7 @@
           <a:p>
             <a:fld id="{4D0C7856-2EFE-4594-8EAE-CFD27F89D363}" type="datetimeFigureOut">
               <a:rPr lang="en-GB" smtClean="0"/>
-              <a:t>05/06/2022</a:t>
+              <a:t>06/06/2022</a:t>
             </a:fld>
             <a:endParaRPr lang="en-GB"/>
           </a:p>
@@ -1147,7 +1148,7 @@
           <a:p>
             <a:fld id="{4D0C7856-2EFE-4594-8EAE-CFD27F89D363}" type="datetimeFigureOut">
               <a:rPr lang="en-GB" smtClean="0"/>
-              <a:t>05/06/2022</a:t>
+              <a:t>06/06/2022</a:t>
             </a:fld>
             <a:endParaRPr lang="en-GB"/>
           </a:p>
@@ -1415,7 +1416,7 @@
           <a:p>
             <a:fld id="{4D0C7856-2EFE-4594-8EAE-CFD27F89D363}" type="datetimeFigureOut">
               <a:rPr lang="en-GB" smtClean="0"/>
-              <a:t>05/06/2022</a:t>
+              <a:t>06/06/2022</a:t>
             </a:fld>
             <a:endParaRPr lang="en-GB"/>
           </a:p>
@@ -1830,7 +1831,7 @@
           <a:p>
             <a:fld id="{4D0C7856-2EFE-4594-8EAE-CFD27F89D363}" type="datetimeFigureOut">
               <a:rPr lang="en-GB" smtClean="0"/>
-              <a:t>05/06/2022</a:t>
+              <a:t>06/06/2022</a:t>
             </a:fld>
             <a:endParaRPr lang="en-GB"/>
           </a:p>
@@ -1972,7 +1973,7 @@
           <a:p>
             <a:fld id="{4D0C7856-2EFE-4594-8EAE-CFD27F89D363}" type="datetimeFigureOut">
               <a:rPr lang="en-GB" smtClean="0"/>
-              <a:t>05/06/2022</a:t>
+              <a:t>06/06/2022</a:t>
             </a:fld>
             <a:endParaRPr lang="en-GB"/>
           </a:p>
@@ -2085,7 +2086,7 @@
           <a:p>
             <a:fld id="{4D0C7856-2EFE-4594-8EAE-CFD27F89D363}" type="datetimeFigureOut">
               <a:rPr lang="en-GB" smtClean="0"/>
-              <a:t>05/06/2022</a:t>
+              <a:t>06/06/2022</a:t>
             </a:fld>
             <a:endParaRPr lang="en-GB"/>
           </a:p>
@@ -2398,7 +2399,7 @@
           <a:p>
             <a:fld id="{4D0C7856-2EFE-4594-8EAE-CFD27F89D363}" type="datetimeFigureOut">
               <a:rPr lang="en-GB" smtClean="0"/>
-              <a:t>05/06/2022</a:t>
+              <a:t>06/06/2022</a:t>
             </a:fld>
             <a:endParaRPr lang="en-GB"/>
           </a:p>
@@ -2687,7 +2688,7 @@
           <a:p>
             <a:fld id="{4D0C7856-2EFE-4594-8EAE-CFD27F89D363}" type="datetimeFigureOut">
               <a:rPr lang="en-GB" smtClean="0"/>
-              <a:t>05/06/2022</a:t>
+              <a:t>06/06/2022</a:t>
             </a:fld>
             <a:endParaRPr lang="en-GB"/>
           </a:p>
@@ -2930,7 +2931,7 @@
           <a:p>
             <a:fld id="{4D0C7856-2EFE-4594-8EAE-CFD27F89D363}" type="datetimeFigureOut">
               <a:rPr lang="en-GB" smtClean="0"/>
-              <a:t>05/06/2022</a:t>
+              <a:t>06/06/2022</a:t>
             </a:fld>
             <a:endParaRPr lang="en-GB"/>
           </a:p>
@@ -4924,7 +4925,7 @@
         </p:nvGrpSpPr>
         <p:grpSpPr>
           <a:xfrm>
-            <a:off x="709589" y="6050439"/>
+            <a:off x="6863215" y="4287508"/>
             <a:ext cx="1301888" cy="403435"/>
             <a:chOff x="167819" y="1092449"/>
             <a:chExt cx="1301888" cy="403435"/>
@@ -5242,6 +5243,1759 @@
     <p:extLst>
       <p:ext uri="{BB962C8B-B14F-4D97-AF65-F5344CB8AC3E}">
         <p14:creationId xmlns:p14="http://schemas.microsoft.com/office/powerpoint/2010/main" val="742463724"/>
+      </p:ext>
+    </p:extLst>
+  </p:cSld>
+  <p:clrMapOvr>
+    <a:masterClrMapping/>
+  </p:clrMapOvr>
+</p:sld>
+</file>
+
+<file path=ppt/slides/slide2.xml><?xml version="1.0" encoding="utf-8"?>
+<p:sld xmlns:a="http://schemas.openxmlformats.org/drawingml/2006/main" xmlns:r="http://schemas.openxmlformats.org/officeDocument/2006/relationships" xmlns:p="http://schemas.openxmlformats.org/presentationml/2006/main">
+  <p:cSld>
+    <p:spTree>
+      <p:nvGrpSpPr>
+        <p:cNvPr id="1" name=""/>
+        <p:cNvGrpSpPr/>
+        <p:nvPr/>
+      </p:nvGrpSpPr>
+      <p:grpSpPr>
+        <a:xfrm>
+          <a:off x="0" y="0"/>
+          <a:ext cx="0" cy="0"/>
+          <a:chOff x="0" y="0"/>
+          <a:chExt cx="0" cy="0"/>
+        </a:xfrm>
+      </p:grpSpPr>
+      <p:sp>
+        <p:nvSpPr>
+          <p:cNvPr id="45" name="직사각형 44">
+            <a:extLst>
+              <a:ext uri="{FF2B5EF4-FFF2-40B4-BE49-F238E27FC236}">
+                <a16:creationId xmlns:a16="http://schemas.microsoft.com/office/drawing/2014/main" id="{6023609E-1FFA-420A-EEA7-1C8FE452871C}"/>
+              </a:ext>
+            </a:extLst>
+          </p:cNvPr>
+          <p:cNvSpPr/>
+          <p:nvPr/>
+        </p:nvSpPr>
+        <p:spPr>
+          <a:xfrm>
+            <a:off x="5375115" y="1163983"/>
+            <a:ext cx="3454253" cy="459224"/>
+          </a:xfrm>
+          <a:prstGeom prst="rect">
+            <a:avLst/>
+          </a:prstGeom>
+          <a:solidFill>
+            <a:schemeClr val="accent6">
+              <a:lumMod val="20000"/>
+              <a:lumOff val="80000"/>
+            </a:schemeClr>
+          </a:solidFill>
+          <a:ln>
+            <a:solidFill>
+              <a:schemeClr val="accent6">
+                <a:lumMod val="20000"/>
+                <a:lumOff val="80000"/>
+              </a:schemeClr>
+            </a:solidFill>
+          </a:ln>
+        </p:spPr>
+        <p:style>
+          <a:lnRef idx="2">
+            <a:schemeClr val="accent1">
+              <a:shade val="50000"/>
+            </a:schemeClr>
+          </a:lnRef>
+          <a:fillRef idx="1">
+            <a:schemeClr val="accent1"/>
+          </a:fillRef>
+          <a:effectRef idx="0">
+            <a:schemeClr val="accent1"/>
+          </a:effectRef>
+          <a:fontRef idx="minor">
+            <a:schemeClr val="lt1"/>
+          </a:fontRef>
+        </p:style>
+        <p:txBody>
+          <a:bodyPr rtlCol="0" anchor="ctr"/>
+          <a:lstStyle/>
+          <a:p>
+            <a:pPr algn="ctr"/>
+            <a:endParaRPr lang="en-GB"/>
+          </a:p>
+        </p:txBody>
+      </p:sp>
+      <p:sp>
+        <p:nvSpPr>
+          <p:cNvPr id="29" name="직사각형 28">
+            <a:extLst>
+              <a:ext uri="{FF2B5EF4-FFF2-40B4-BE49-F238E27FC236}">
+                <a16:creationId xmlns:a16="http://schemas.microsoft.com/office/drawing/2014/main" id="{9C3D3379-1B33-7B5F-9367-5A782B72FB43}"/>
+              </a:ext>
+            </a:extLst>
+          </p:cNvPr>
+          <p:cNvSpPr/>
+          <p:nvPr/>
+        </p:nvSpPr>
+        <p:spPr>
+          <a:xfrm>
+            <a:off x="2147398" y="1935052"/>
+            <a:ext cx="2084371" cy="459224"/>
+          </a:xfrm>
+          <a:prstGeom prst="rect">
+            <a:avLst/>
+          </a:prstGeom>
+          <a:solidFill>
+            <a:schemeClr val="accent6">
+              <a:lumMod val="20000"/>
+              <a:lumOff val="80000"/>
+            </a:schemeClr>
+          </a:solidFill>
+          <a:ln>
+            <a:solidFill>
+              <a:schemeClr val="accent6">
+                <a:lumMod val="20000"/>
+                <a:lumOff val="80000"/>
+              </a:schemeClr>
+            </a:solidFill>
+          </a:ln>
+        </p:spPr>
+        <p:style>
+          <a:lnRef idx="2">
+            <a:schemeClr val="accent1">
+              <a:shade val="50000"/>
+            </a:schemeClr>
+          </a:lnRef>
+          <a:fillRef idx="1">
+            <a:schemeClr val="accent1"/>
+          </a:fillRef>
+          <a:effectRef idx="0">
+            <a:schemeClr val="accent1"/>
+          </a:effectRef>
+          <a:fontRef idx="minor">
+            <a:schemeClr val="lt1"/>
+          </a:fontRef>
+        </p:style>
+        <p:txBody>
+          <a:bodyPr rtlCol="0" anchor="ctr"/>
+          <a:lstStyle/>
+          <a:p>
+            <a:pPr algn="ctr"/>
+            <a:endParaRPr lang="en-GB"/>
+          </a:p>
+        </p:txBody>
+      </p:sp>
+      <p:sp>
+        <p:nvSpPr>
+          <p:cNvPr id="46" name="직사각형 45">
+            <a:extLst>
+              <a:ext uri="{FF2B5EF4-FFF2-40B4-BE49-F238E27FC236}">
+                <a16:creationId xmlns:a16="http://schemas.microsoft.com/office/drawing/2014/main" id="{7C26B989-4C79-71CA-21CF-EFF20D541978}"/>
+              </a:ext>
+            </a:extLst>
+          </p:cNvPr>
+          <p:cNvSpPr/>
+          <p:nvPr/>
+        </p:nvSpPr>
+        <p:spPr>
+          <a:xfrm>
+            <a:off x="5375114" y="2470687"/>
+            <a:ext cx="5686176" cy="773046"/>
+          </a:xfrm>
+          <a:prstGeom prst="rect">
+            <a:avLst/>
+          </a:prstGeom>
+          <a:solidFill>
+            <a:schemeClr val="accent6">
+              <a:lumMod val="20000"/>
+              <a:lumOff val="80000"/>
+            </a:schemeClr>
+          </a:solidFill>
+          <a:ln>
+            <a:solidFill>
+              <a:schemeClr val="accent6">
+                <a:lumMod val="20000"/>
+                <a:lumOff val="80000"/>
+              </a:schemeClr>
+            </a:solidFill>
+          </a:ln>
+        </p:spPr>
+        <p:style>
+          <a:lnRef idx="2">
+            <a:schemeClr val="accent1">
+              <a:shade val="50000"/>
+            </a:schemeClr>
+          </a:lnRef>
+          <a:fillRef idx="1">
+            <a:schemeClr val="accent1"/>
+          </a:fillRef>
+          <a:effectRef idx="0">
+            <a:schemeClr val="accent1"/>
+          </a:effectRef>
+          <a:fontRef idx="minor">
+            <a:schemeClr val="lt1"/>
+          </a:fontRef>
+        </p:style>
+        <p:txBody>
+          <a:bodyPr rtlCol="0" anchor="ctr"/>
+          <a:lstStyle/>
+          <a:p>
+            <a:pPr algn="ctr"/>
+            <a:endParaRPr lang="en-GB"/>
+          </a:p>
+        </p:txBody>
+      </p:sp>
+      <p:sp>
+        <p:nvSpPr>
+          <p:cNvPr id="49" name="직사각형 48">
+            <a:extLst>
+              <a:ext uri="{FF2B5EF4-FFF2-40B4-BE49-F238E27FC236}">
+                <a16:creationId xmlns:a16="http://schemas.microsoft.com/office/drawing/2014/main" id="{C40BFEF4-623D-B42C-DDC2-8E3A06ACEE8F}"/>
+              </a:ext>
+            </a:extLst>
+          </p:cNvPr>
+          <p:cNvSpPr/>
+          <p:nvPr/>
+        </p:nvSpPr>
+        <p:spPr>
+          <a:xfrm>
+            <a:off x="9244583" y="5620363"/>
+            <a:ext cx="978204" cy="893054"/>
+          </a:xfrm>
+          <a:prstGeom prst="rect">
+            <a:avLst/>
+          </a:prstGeom>
+          <a:solidFill>
+            <a:schemeClr val="accent6">
+              <a:lumMod val="20000"/>
+              <a:lumOff val="80000"/>
+            </a:schemeClr>
+          </a:solidFill>
+          <a:ln>
+            <a:solidFill>
+              <a:schemeClr val="accent6">
+                <a:lumMod val="20000"/>
+                <a:lumOff val="80000"/>
+              </a:schemeClr>
+            </a:solidFill>
+          </a:ln>
+        </p:spPr>
+        <p:style>
+          <a:lnRef idx="2">
+            <a:schemeClr val="accent1">
+              <a:shade val="50000"/>
+            </a:schemeClr>
+          </a:lnRef>
+          <a:fillRef idx="1">
+            <a:schemeClr val="accent1"/>
+          </a:fillRef>
+          <a:effectRef idx="0">
+            <a:schemeClr val="accent1"/>
+          </a:effectRef>
+          <a:fontRef idx="minor">
+            <a:schemeClr val="lt1"/>
+          </a:fontRef>
+        </p:style>
+        <p:txBody>
+          <a:bodyPr rtlCol="0" anchor="ctr"/>
+          <a:lstStyle/>
+          <a:p>
+            <a:pPr algn="ctr"/>
+            <a:endParaRPr lang="en-GB"/>
+          </a:p>
+        </p:txBody>
+      </p:sp>
+      <p:sp>
+        <p:nvSpPr>
+          <p:cNvPr id="17" name="직사각형 16">
+            <a:extLst>
+              <a:ext uri="{FF2B5EF4-FFF2-40B4-BE49-F238E27FC236}">
+                <a16:creationId xmlns:a16="http://schemas.microsoft.com/office/drawing/2014/main" id="{A0BA38FB-5605-405F-66B5-607410BF4196}"/>
+              </a:ext>
+            </a:extLst>
+          </p:cNvPr>
+          <p:cNvSpPr/>
+          <p:nvPr/>
+        </p:nvSpPr>
+        <p:spPr>
+          <a:xfrm>
+            <a:off x="2147399" y="3569530"/>
+            <a:ext cx="2084371" cy="719998"/>
+          </a:xfrm>
+          <a:prstGeom prst="rect">
+            <a:avLst/>
+          </a:prstGeom>
+          <a:solidFill>
+            <a:schemeClr val="accent4">
+              <a:lumMod val="20000"/>
+              <a:lumOff val="80000"/>
+            </a:schemeClr>
+          </a:solidFill>
+          <a:ln>
+            <a:solidFill>
+              <a:schemeClr val="accent4">
+                <a:lumMod val="20000"/>
+                <a:lumOff val="80000"/>
+              </a:schemeClr>
+            </a:solidFill>
+          </a:ln>
+        </p:spPr>
+        <p:style>
+          <a:lnRef idx="2">
+            <a:schemeClr val="accent1">
+              <a:shade val="50000"/>
+            </a:schemeClr>
+          </a:lnRef>
+          <a:fillRef idx="1">
+            <a:schemeClr val="accent1"/>
+          </a:fillRef>
+          <a:effectRef idx="0">
+            <a:schemeClr val="accent1"/>
+          </a:effectRef>
+          <a:fontRef idx="minor">
+            <a:schemeClr val="lt1"/>
+          </a:fontRef>
+        </p:style>
+        <p:txBody>
+          <a:bodyPr rtlCol="0" anchor="ctr"/>
+          <a:lstStyle/>
+          <a:p>
+            <a:pPr algn="ctr"/>
+            <a:endParaRPr lang="en-GB"/>
+          </a:p>
+        </p:txBody>
+      </p:sp>
+      <p:sp>
+        <p:nvSpPr>
+          <p:cNvPr id="18" name="직사각형 17">
+            <a:extLst>
+              <a:ext uri="{FF2B5EF4-FFF2-40B4-BE49-F238E27FC236}">
+                <a16:creationId xmlns:a16="http://schemas.microsoft.com/office/drawing/2014/main" id="{0D002B15-45F0-27C0-9079-D3E7739727C4}"/>
+              </a:ext>
+            </a:extLst>
+          </p:cNvPr>
+          <p:cNvSpPr/>
+          <p:nvPr/>
+        </p:nvSpPr>
+        <p:spPr>
+          <a:xfrm>
+            <a:off x="2928233" y="344583"/>
+            <a:ext cx="1426822" cy="533351"/>
+          </a:xfrm>
+          <a:prstGeom prst="rect">
+            <a:avLst/>
+          </a:prstGeom>
+          <a:solidFill>
+            <a:schemeClr val="accent4">
+              <a:lumMod val="20000"/>
+              <a:lumOff val="80000"/>
+            </a:schemeClr>
+          </a:solidFill>
+          <a:ln>
+            <a:solidFill>
+              <a:schemeClr val="accent4">
+                <a:lumMod val="20000"/>
+                <a:lumOff val="80000"/>
+              </a:schemeClr>
+            </a:solidFill>
+          </a:ln>
+        </p:spPr>
+        <p:style>
+          <a:lnRef idx="2">
+            <a:schemeClr val="accent1">
+              <a:shade val="50000"/>
+            </a:schemeClr>
+          </a:lnRef>
+          <a:fillRef idx="1">
+            <a:schemeClr val="accent1"/>
+          </a:fillRef>
+          <a:effectRef idx="0">
+            <a:schemeClr val="accent1"/>
+          </a:effectRef>
+          <a:fontRef idx="minor">
+            <a:schemeClr val="lt1"/>
+          </a:fontRef>
+        </p:style>
+        <p:txBody>
+          <a:bodyPr rtlCol="0" anchor="ctr"/>
+          <a:lstStyle/>
+          <a:p>
+            <a:pPr algn="ctr"/>
+            <a:endParaRPr lang="en-GB"/>
+          </a:p>
+        </p:txBody>
+      </p:sp>
+      <p:sp>
+        <p:nvSpPr>
+          <p:cNvPr id="16" name="직사각형 15">
+            <a:extLst>
+              <a:ext uri="{FF2B5EF4-FFF2-40B4-BE49-F238E27FC236}">
+                <a16:creationId xmlns:a16="http://schemas.microsoft.com/office/drawing/2014/main" id="{3C897C86-4AE4-37BB-0ACA-A40C05ADD2D8}"/>
+              </a:ext>
+            </a:extLst>
+          </p:cNvPr>
+          <p:cNvSpPr/>
+          <p:nvPr/>
+        </p:nvSpPr>
+        <p:spPr>
+          <a:xfrm>
+            <a:off x="7419536" y="5620363"/>
+            <a:ext cx="1780972" cy="893054"/>
+          </a:xfrm>
+          <a:prstGeom prst="rect">
+            <a:avLst/>
+          </a:prstGeom>
+          <a:solidFill>
+            <a:schemeClr val="accent4">
+              <a:lumMod val="20000"/>
+              <a:lumOff val="80000"/>
+            </a:schemeClr>
+          </a:solidFill>
+          <a:ln>
+            <a:solidFill>
+              <a:schemeClr val="accent4">
+                <a:lumMod val="20000"/>
+                <a:lumOff val="80000"/>
+              </a:schemeClr>
+            </a:solidFill>
+          </a:ln>
+        </p:spPr>
+        <p:style>
+          <a:lnRef idx="2">
+            <a:schemeClr val="accent1">
+              <a:shade val="50000"/>
+            </a:schemeClr>
+          </a:lnRef>
+          <a:fillRef idx="1">
+            <a:schemeClr val="accent1"/>
+          </a:fillRef>
+          <a:effectRef idx="0">
+            <a:schemeClr val="accent1"/>
+          </a:effectRef>
+          <a:fontRef idx="minor">
+            <a:schemeClr val="lt1"/>
+          </a:fontRef>
+        </p:style>
+        <p:txBody>
+          <a:bodyPr rtlCol="0" anchor="ctr"/>
+          <a:lstStyle/>
+          <a:p>
+            <a:pPr algn="ctr"/>
+            <a:endParaRPr lang="en-GB"/>
+          </a:p>
+        </p:txBody>
+      </p:sp>
+      <p:sp>
+        <p:nvSpPr>
+          <p:cNvPr id="7" name="TextBox 6">
+            <a:extLst>
+              <a:ext uri="{FF2B5EF4-FFF2-40B4-BE49-F238E27FC236}">
+                <a16:creationId xmlns:a16="http://schemas.microsoft.com/office/drawing/2014/main" id="{A60DF924-E876-41FB-6584-4DBBDD812577}"/>
+              </a:ext>
+            </a:extLst>
+          </p:cNvPr>
+          <p:cNvSpPr txBox="1"/>
+          <p:nvPr/>
+        </p:nvSpPr>
+        <p:spPr>
+          <a:xfrm>
+            <a:off x="276215" y="439888"/>
+            <a:ext cx="4190572" cy="307777"/>
+          </a:xfrm>
+          <a:prstGeom prst="rect">
+            <a:avLst/>
+          </a:prstGeom>
+          <a:noFill/>
+        </p:spPr>
+        <p:txBody>
+          <a:bodyPr wrap="square">
+            <a:spAutoFit/>
+          </a:bodyPr>
+          <a:lstStyle/>
+          <a:p>
+            <a:r>
+              <a:rPr lang="en-GB" sz="1400" dirty="0"/>
+              <a:t>%USERPROFILE%\.</a:t>
+            </a:r>
+            <a:r>
+              <a:rPr lang="en-GB" sz="1400" dirty="0" err="1"/>
+              <a:t>dapr</a:t>
+            </a:r>
+            <a:r>
+              <a:rPr lang="en-GB" sz="1400" dirty="0"/>
+              <a:t>\components\</a:t>
+            </a:r>
+            <a:r>
+              <a:rPr lang="en-GB" sz="1400" b="1" dirty="0" err="1">
+                <a:solidFill>
+                  <a:srgbClr val="0070C0"/>
+                </a:solidFill>
+              </a:rPr>
+              <a:t>statestore.yaml</a:t>
+            </a:r>
+            <a:endParaRPr lang="en-GB" sz="1400" b="1" dirty="0">
+              <a:solidFill>
+                <a:srgbClr val="0070C0"/>
+              </a:solidFill>
+            </a:endParaRPr>
+          </a:p>
+        </p:txBody>
+      </p:sp>
+      <p:sp>
+        <p:nvSpPr>
+          <p:cNvPr id="11" name="TextBox 10">
+            <a:extLst>
+              <a:ext uri="{FF2B5EF4-FFF2-40B4-BE49-F238E27FC236}">
+                <a16:creationId xmlns:a16="http://schemas.microsoft.com/office/drawing/2014/main" id="{BB29BC39-C03B-784C-DB49-48C6FCC265A7}"/>
+              </a:ext>
+            </a:extLst>
+          </p:cNvPr>
+          <p:cNvSpPr txBox="1"/>
+          <p:nvPr/>
+        </p:nvSpPr>
+        <p:spPr>
+          <a:xfrm>
+            <a:off x="2147400" y="972732"/>
+            <a:ext cx="2377179" cy="4583242"/>
+          </a:xfrm>
+          <a:prstGeom prst="rect">
+            <a:avLst/>
+          </a:prstGeom>
+          <a:noFill/>
+        </p:spPr>
+        <p:txBody>
+          <a:bodyPr wrap="square">
+            <a:spAutoFit/>
+          </a:bodyPr>
+          <a:lstStyle/>
+          <a:p>
+            <a:pPr>
+              <a:lnSpc>
+                <a:spcPct val="150000"/>
+              </a:lnSpc>
+            </a:pPr>
+            <a:r>
+              <a:rPr lang="en-GB" sz="1400" dirty="0" err="1"/>
+              <a:t>apiVersion</a:t>
+            </a:r>
+            <a:r>
+              <a:rPr lang="en-GB" sz="1400" dirty="0"/>
+              <a:t>: dapr.io/v1alpha1</a:t>
+            </a:r>
+          </a:p>
+          <a:p>
+            <a:pPr>
+              <a:lnSpc>
+                <a:spcPct val="150000"/>
+              </a:lnSpc>
+            </a:pPr>
+            <a:r>
+              <a:rPr lang="en-GB" sz="1400" dirty="0"/>
+              <a:t>kind: Component</a:t>
+            </a:r>
+          </a:p>
+          <a:p>
+            <a:pPr>
+              <a:lnSpc>
+                <a:spcPct val="150000"/>
+              </a:lnSpc>
+            </a:pPr>
+            <a:r>
+              <a:rPr lang="en-GB" sz="1400" dirty="0"/>
+              <a:t>metadata:</a:t>
+            </a:r>
+          </a:p>
+          <a:p>
+            <a:pPr>
+              <a:lnSpc>
+                <a:spcPct val="150000"/>
+              </a:lnSpc>
+            </a:pPr>
+            <a:r>
+              <a:rPr lang="en-GB" sz="1400" dirty="0"/>
+              <a:t>  </a:t>
+            </a:r>
+            <a:r>
+              <a:rPr lang="en-GB" sz="1400" b="1" dirty="0">
+                <a:solidFill>
+                  <a:srgbClr val="0070C0"/>
+                </a:solidFill>
+              </a:rPr>
+              <a:t>name: </a:t>
+            </a:r>
+            <a:r>
+              <a:rPr lang="en-GB" sz="1400" b="1" dirty="0" err="1">
+                <a:solidFill>
+                  <a:srgbClr val="0070C0"/>
+                </a:solidFill>
+              </a:rPr>
+              <a:t>statestore</a:t>
+            </a:r>
+            <a:endParaRPr lang="en-GB" sz="1400" b="1" dirty="0">
+              <a:solidFill>
+                <a:srgbClr val="0070C0"/>
+              </a:solidFill>
+            </a:endParaRPr>
+          </a:p>
+          <a:p>
+            <a:pPr>
+              <a:lnSpc>
+                <a:spcPct val="150000"/>
+              </a:lnSpc>
+            </a:pPr>
+            <a:r>
+              <a:rPr lang="en-GB" sz="1400" dirty="0"/>
+              <a:t>spec:</a:t>
+            </a:r>
+          </a:p>
+          <a:p>
+            <a:pPr>
+              <a:lnSpc>
+                <a:spcPct val="150000"/>
+              </a:lnSpc>
+            </a:pPr>
+            <a:r>
+              <a:rPr lang="en-GB" sz="1400" dirty="0"/>
+              <a:t>  </a:t>
+            </a:r>
+            <a:r>
+              <a:rPr lang="en-GB" sz="1400" b="1" dirty="0">
+                <a:solidFill>
+                  <a:srgbClr val="0070C0"/>
+                </a:solidFill>
+              </a:rPr>
+              <a:t>type: </a:t>
+            </a:r>
+            <a:r>
+              <a:rPr lang="en-GB" sz="1400" b="1" dirty="0" err="1">
+                <a:solidFill>
+                  <a:srgbClr val="0070C0"/>
+                </a:solidFill>
+              </a:rPr>
+              <a:t>state.redis</a:t>
+            </a:r>
+            <a:endParaRPr lang="en-GB" sz="1400" b="1" dirty="0">
+              <a:solidFill>
+                <a:srgbClr val="0070C0"/>
+              </a:solidFill>
+            </a:endParaRPr>
+          </a:p>
+          <a:p>
+            <a:pPr>
+              <a:lnSpc>
+                <a:spcPct val="150000"/>
+              </a:lnSpc>
+            </a:pPr>
+            <a:r>
+              <a:rPr lang="en-GB" sz="1400" dirty="0"/>
+              <a:t>  version: v1</a:t>
+            </a:r>
+          </a:p>
+          <a:p>
+            <a:pPr>
+              <a:lnSpc>
+                <a:spcPct val="150000"/>
+              </a:lnSpc>
+            </a:pPr>
+            <a:r>
+              <a:rPr lang="en-GB" sz="1400" dirty="0"/>
+              <a:t>  metadata:</a:t>
+            </a:r>
+          </a:p>
+          <a:p>
+            <a:pPr>
+              <a:lnSpc>
+                <a:spcPct val="150000"/>
+              </a:lnSpc>
+            </a:pPr>
+            <a:r>
+              <a:rPr lang="en-GB" sz="1400" dirty="0"/>
+              <a:t>  </a:t>
+            </a:r>
+            <a:r>
+              <a:rPr lang="en-GB" sz="1400" b="1" dirty="0">
+                <a:solidFill>
+                  <a:srgbClr val="0070C0"/>
+                </a:solidFill>
+              </a:rPr>
+              <a:t>- name: </a:t>
+            </a:r>
+            <a:r>
+              <a:rPr lang="en-GB" sz="1400" b="1" dirty="0" err="1">
+                <a:solidFill>
+                  <a:srgbClr val="0070C0"/>
+                </a:solidFill>
+              </a:rPr>
+              <a:t>redisHost</a:t>
+            </a:r>
+            <a:endParaRPr lang="en-GB" sz="1400" b="1" dirty="0">
+              <a:solidFill>
+                <a:srgbClr val="0070C0"/>
+              </a:solidFill>
+            </a:endParaRPr>
+          </a:p>
+          <a:p>
+            <a:pPr>
+              <a:lnSpc>
+                <a:spcPct val="150000"/>
+              </a:lnSpc>
+            </a:pPr>
+            <a:r>
+              <a:rPr lang="en-GB" sz="1400" b="1" dirty="0">
+                <a:solidFill>
+                  <a:srgbClr val="0070C0"/>
+                </a:solidFill>
+              </a:rPr>
+              <a:t>    value: localhost:6379</a:t>
+            </a:r>
+          </a:p>
+          <a:p>
+            <a:pPr>
+              <a:lnSpc>
+                <a:spcPct val="150000"/>
+              </a:lnSpc>
+            </a:pPr>
+            <a:r>
+              <a:rPr lang="en-GB" sz="1400" dirty="0"/>
+              <a:t>  - name: </a:t>
+            </a:r>
+            <a:r>
+              <a:rPr lang="en-GB" sz="1400" dirty="0" err="1"/>
+              <a:t>redisPassword</a:t>
+            </a:r>
+            <a:endParaRPr lang="en-GB" sz="1400" dirty="0"/>
+          </a:p>
+          <a:p>
+            <a:pPr>
+              <a:lnSpc>
+                <a:spcPct val="150000"/>
+              </a:lnSpc>
+            </a:pPr>
+            <a:r>
+              <a:rPr lang="en-GB" sz="1400" dirty="0"/>
+              <a:t>    value: ""</a:t>
+            </a:r>
+          </a:p>
+          <a:p>
+            <a:pPr>
+              <a:lnSpc>
+                <a:spcPct val="150000"/>
+              </a:lnSpc>
+            </a:pPr>
+            <a:r>
+              <a:rPr lang="en-GB" sz="1400" dirty="0"/>
+              <a:t>  - name: </a:t>
+            </a:r>
+            <a:r>
+              <a:rPr lang="en-GB" sz="1400" dirty="0" err="1"/>
+              <a:t>actorStateStore</a:t>
+            </a:r>
+            <a:endParaRPr lang="en-GB" sz="1400" dirty="0"/>
+          </a:p>
+          <a:p>
+            <a:pPr>
+              <a:lnSpc>
+                <a:spcPct val="150000"/>
+              </a:lnSpc>
+            </a:pPr>
+            <a:r>
+              <a:rPr lang="en-GB" sz="1400" dirty="0"/>
+              <a:t>    value: "true"</a:t>
+            </a:r>
+          </a:p>
+        </p:txBody>
+      </p:sp>
+      <p:sp>
+        <p:nvSpPr>
+          <p:cNvPr id="15" name="TextBox 14">
+            <a:extLst>
+              <a:ext uri="{FF2B5EF4-FFF2-40B4-BE49-F238E27FC236}">
+                <a16:creationId xmlns:a16="http://schemas.microsoft.com/office/drawing/2014/main" id="{B10CDD51-3CE5-7985-32D3-74D980D534DD}"/>
+              </a:ext>
+            </a:extLst>
+          </p:cNvPr>
+          <p:cNvSpPr txBox="1"/>
+          <p:nvPr/>
+        </p:nvSpPr>
+        <p:spPr>
+          <a:xfrm>
+            <a:off x="2011477" y="5714261"/>
+            <a:ext cx="8331057" cy="705258"/>
+          </a:xfrm>
+          <a:prstGeom prst="rect">
+            <a:avLst/>
+          </a:prstGeom>
+          <a:noFill/>
+        </p:spPr>
+        <p:txBody>
+          <a:bodyPr wrap="square">
+            <a:spAutoFit/>
+          </a:bodyPr>
+          <a:lstStyle/>
+          <a:p>
+            <a:pPr>
+              <a:lnSpc>
+                <a:spcPct val="150000"/>
+              </a:lnSpc>
+            </a:pPr>
+            <a:r>
+              <a:rPr lang="en-GB" sz="1400" dirty="0"/>
+              <a:t> CONTAINER ID    IMAGE  COMMAND                       CREATED      STATUS         </a:t>
+            </a:r>
+            <a:r>
+              <a:rPr lang="en-GB" sz="1400" b="1" dirty="0">
+                <a:solidFill>
+                  <a:srgbClr val="0070C0"/>
+                </a:solidFill>
+              </a:rPr>
+              <a:t>PORTS </a:t>
+            </a:r>
+            <a:r>
+              <a:rPr lang="en-GB" sz="1400" dirty="0"/>
+              <a:t>                                   </a:t>
+            </a:r>
+            <a:r>
+              <a:rPr lang="en-GB" sz="1400" b="1" dirty="0">
+                <a:solidFill>
+                  <a:srgbClr val="0070C0"/>
+                </a:solidFill>
+              </a:rPr>
+              <a:t>NAMES</a:t>
+            </a:r>
+          </a:p>
+          <a:p>
+            <a:pPr>
+              <a:lnSpc>
+                <a:spcPct val="150000"/>
+              </a:lnSpc>
+            </a:pPr>
+            <a:r>
+              <a:rPr lang="en-GB" sz="1400" dirty="0"/>
+              <a:t>  91b711910116  </a:t>
+            </a:r>
+            <a:r>
+              <a:rPr lang="en-GB" sz="1400" dirty="0" err="1"/>
+              <a:t>redis</a:t>
+            </a:r>
+            <a:r>
+              <a:rPr lang="en-GB" sz="1400" dirty="0"/>
+              <a:t>     "docker-</a:t>
+            </a:r>
+            <a:r>
+              <a:rPr lang="en-GB" sz="1400" dirty="0" err="1"/>
+              <a:t>entrypoint.s</a:t>
+            </a:r>
+            <a:r>
+              <a:rPr lang="en-GB" sz="1400" dirty="0"/>
+              <a:t>…"  6 hours ago  Up 6 hours  </a:t>
+            </a:r>
+            <a:r>
+              <a:rPr lang="en-GB" sz="1400" b="1" dirty="0">
+                <a:solidFill>
+                  <a:srgbClr val="0070C0"/>
+                </a:solidFill>
+              </a:rPr>
+              <a:t>0.0.0.0:6379-&gt;6379/</a:t>
+            </a:r>
+            <a:r>
+              <a:rPr lang="en-GB" sz="1400" b="1" dirty="0" err="1">
+                <a:solidFill>
+                  <a:srgbClr val="0070C0"/>
+                </a:solidFill>
+              </a:rPr>
+              <a:t>tcp</a:t>
+            </a:r>
+            <a:r>
+              <a:rPr lang="en-GB" sz="1400" b="1" dirty="0">
+                <a:solidFill>
+                  <a:srgbClr val="0070C0"/>
+                </a:solidFill>
+              </a:rPr>
+              <a:t>    </a:t>
+            </a:r>
+            <a:r>
+              <a:rPr lang="en-GB" sz="1400" b="1" dirty="0" err="1">
+                <a:solidFill>
+                  <a:srgbClr val="0070C0"/>
+                </a:solidFill>
+              </a:rPr>
+              <a:t>dapr_redis</a:t>
+            </a:r>
+            <a:endParaRPr lang="en-GB" sz="1400" b="1" dirty="0">
+              <a:solidFill>
+                <a:srgbClr val="0070C0"/>
+              </a:solidFill>
+            </a:endParaRPr>
+          </a:p>
+        </p:txBody>
+      </p:sp>
+      <p:cxnSp>
+        <p:nvCxnSpPr>
+          <p:cNvPr id="20" name="직선 화살표 연결선 19">
+            <a:extLst>
+              <a:ext uri="{FF2B5EF4-FFF2-40B4-BE49-F238E27FC236}">
+                <a16:creationId xmlns:a16="http://schemas.microsoft.com/office/drawing/2014/main" id="{11DD0E21-CFEA-AA1B-B5C6-657DAE1C3B41}"/>
+              </a:ext>
+            </a:extLst>
+          </p:cNvPr>
+          <p:cNvCxnSpPr>
+            <a:cxnSpLocks/>
+            <a:stCxn id="18" idx="2"/>
+          </p:cNvCxnSpPr>
+          <p:nvPr/>
+        </p:nvCxnSpPr>
+        <p:spPr>
+          <a:xfrm flipH="1">
+            <a:off x="3601092" y="877934"/>
+            <a:ext cx="40552" cy="2672676"/>
+          </a:xfrm>
+          <a:prstGeom prst="straightConnector1">
+            <a:avLst/>
+          </a:prstGeom>
+          <a:ln w="57150">
+            <a:solidFill>
+              <a:srgbClr val="0070C0"/>
+            </a:solidFill>
+            <a:tailEnd type="triangle"/>
+          </a:ln>
+        </p:spPr>
+        <p:style>
+          <a:lnRef idx="1">
+            <a:schemeClr val="accent1"/>
+          </a:lnRef>
+          <a:fillRef idx="0">
+            <a:schemeClr val="accent1"/>
+          </a:fillRef>
+          <a:effectRef idx="0">
+            <a:schemeClr val="accent1"/>
+          </a:effectRef>
+          <a:fontRef idx="minor">
+            <a:schemeClr val="tx1"/>
+          </a:fontRef>
+        </p:style>
+      </p:cxnSp>
+      <p:cxnSp>
+        <p:nvCxnSpPr>
+          <p:cNvPr id="22" name="연결선: 꺾임 21">
+            <a:extLst>
+              <a:ext uri="{FF2B5EF4-FFF2-40B4-BE49-F238E27FC236}">
+                <a16:creationId xmlns:a16="http://schemas.microsoft.com/office/drawing/2014/main" id="{89B99396-0023-A2EE-50B2-44CE7A9D138E}"/>
+              </a:ext>
+            </a:extLst>
+          </p:cNvPr>
+          <p:cNvCxnSpPr>
+            <a:cxnSpLocks/>
+            <a:stCxn id="17" idx="3"/>
+            <a:endCxn id="16" idx="0"/>
+          </p:cNvCxnSpPr>
+          <p:nvPr/>
+        </p:nvCxnSpPr>
+        <p:spPr>
+          <a:xfrm>
+            <a:off x="4231770" y="3929529"/>
+            <a:ext cx="4078252" cy="1690834"/>
+          </a:xfrm>
+          <a:prstGeom prst="bentConnector2">
+            <a:avLst/>
+          </a:prstGeom>
+          <a:ln w="57150">
+            <a:solidFill>
+              <a:srgbClr val="0070C0"/>
+            </a:solidFill>
+            <a:tailEnd type="triangle"/>
+          </a:ln>
+        </p:spPr>
+        <p:style>
+          <a:lnRef idx="1">
+            <a:schemeClr val="accent1"/>
+          </a:lnRef>
+          <a:fillRef idx="0">
+            <a:schemeClr val="accent1"/>
+          </a:fillRef>
+          <a:effectRef idx="0">
+            <a:schemeClr val="accent1"/>
+          </a:effectRef>
+          <a:fontRef idx="minor">
+            <a:schemeClr val="tx1"/>
+          </a:fontRef>
+        </p:style>
+      </p:cxnSp>
+      <p:grpSp>
+        <p:nvGrpSpPr>
+          <p:cNvPr id="66" name="그룹 65">
+            <a:extLst>
+              <a:ext uri="{FF2B5EF4-FFF2-40B4-BE49-F238E27FC236}">
+                <a16:creationId xmlns:a16="http://schemas.microsoft.com/office/drawing/2014/main" id="{4A25E892-184C-DA3E-EA8D-21B7A8070084}"/>
+              </a:ext>
+            </a:extLst>
+          </p:cNvPr>
+          <p:cNvGrpSpPr/>
+          <p:nvPr/>
+        </p:nvGrpSpPr>
+        <p:grpSpPr>
+          <a:xfrm>
+            <a:off x="167819" y="858381"/>
+            <a:ext cx="1587222" cy="403435"/>
+            <a:chOff x="167819" y="1092449"/>
+            <a:chExt cx="1587222" cy="403435"/>
+          </a:xfrm>
+        </p:grpSpPr>
+        <p:sp>
+          <p:nvSpPr>
+            <p:cNvPr id="64" name="타원 63">
+              <a:extLst>
+                <a:ext uri="{FF2B5EF4-FFF2-40B4-BE49-F238E27FC236}">
+                  <a16:creationId xmlns:a16="http://schemas.microsoft.com/office/drawing/2014/main" id="{1F4C8239-36BB-1E44-C5A8-589BD460EDC9}"/>
+                </a:ext>
+              </a:extLst>
+            </p:cNvPr>
+            <p:cNvSpPr/>
+            <p:nvPr/>
+          </p:nvSpPr>
+          <p:spPr>
+            <a:xfrm>
+              <a:off x="167819" y="1092449"/>
+              <a:ext cx="393509" cy="403435"/>
+            </a:xfrm>
+            <a:prstGeom prst="ellipse">
+              <a:avLst/>
+            </a:prstGeom>
+            <a:solidFill>
+              <a:schemeClr val="tx1"/>
+            </a:solidFill>
+          </p:spPr>
+          <p:style>
+            <a:lnRef idx="2">
+              <a:schemeClr val="accent1">
+                <a:shade val="50000"/>
+              </a:schemeClr>
+            </a:lnRef>
+            <a:fillRef idx="1">
+              <a:schemeClr val="accent1"/>
+            </a:fillRef>
+            <a:effectRef idx="0">
+              <a:schemeClr val="accent1"/>
+            </a:effectRef>
+            <a:fontRef idx="minor">
+              <a:schemeClr val="lt1"/>
+            </a:fontRef>
+          </p:style>
+          <p:txBody>
+            <a:bodyPr rtlCol="0" anchor="ctr"/>
+            <a:lstStyle/>
+            <a:p>
+              <a:pPr algn="ctr"/>
+              <a:r>
+                <a:rPr lang="en-GB" b="1" dirty="0"/>
+                <a:t>1</a:t>
+              </a:r>
+            </a:p>
+          </p:txBody>
+        </p:sp>
+        <p:sp>
+          <p:nvSpPr>
+            <p:cNvPr id="65" name="TextBox 64">
+              <a:extLst>
+                <a:ext uri="{FF2B5EF4-FFF2-40B4-BE49-F238E27FC236}">
+                  <a16:creationId xmlns:a16="http://schemas.microsoft.com/office/drawing/2014/main" id="{C8A2DE55-5085-BA05-270C-7FC348A79E28}"/>
+                </a:ext>
+              </a:extLst>
+            </p:cNvPr>
+            <p:cNvSpPr txBox="1"/>
+            <p:nvPr/>
+          </p:nvSpPr>
+          <p:spPr>
+            <a:xfrm>
+              <a:off x="555867" y="1140278"/>
+              <a:ext cx="1199174" cy="307777"/>
+            </a:xfrm>
+            <a:prstGeom prst="rect">
+              <a:avLst/>
+            </a:prstGeom>
+            <a:noFill/>
+          </p:spPr>
+          <p:txBody>
+            <a:bodyPr wrap="none" rtlCol="0">
+              <a:spAutoFit/>
+            </a:bodyPr>
+            <a:lstStyle/>
+            <a:p>
+              <a:r>
+                <a:rPr lang="en-GB" sz="1400" b="1" dirty="0"/>
+                <a:t>Configuration</a:t>
+              </a:r>
+            </a:p>
+          </p:txBody>
+        </p:sp>
+      </p:grpSp>
+      <p:sp>
+        <p:nvSpPr>
+          <p:cNvPr id="43" name="TextBox 42">
+            <a:extLst>
+              <a:ext uri="{FF2B5EF4-FFF2-40B4-BE49-F238E27FC236}">
+                <a16:creationId xmlns:a16="http://schemas.microsoft.com/office/drawing/2014/main" id="{C12998FC-CA4D-4BAF-F31E-9AFC21D890AD}"/>
+              </a:ext>
+            </a:extLst>
+          </p:cNvPr>
+          <p:cNvSpPr txBox="1"/>
+          <p:nvPr/>
+        </p:nvSpPr>
+        <p:spPr>
+          <a:xfrm>
+            <a:off x="5487695" y="1163983"/>
+            <a:ext cx="6096000" cy="1997919"/>
+          </a:xfrm>
+          <a:prstGeom prst="rect">
+            <a:avLst/>
+          </a:prstGeom>
+          <a:noFill/>
+        </p:spPr>
+        <p:txBody>
+          <a:bodyPr wrap="square">
+            <a:spAutoFit/>
+          </a:bodyPr>
+          <a:lstStyle/>
+          <a:p>
+            <a:pPr>
+              <a:lnSpc>
+                <a:spcPct val="150000"/>
+              </a:lnSpc>
+            </a:pPr>
+            <a:r>
+              <a:rPr lang="en-GB" sz="1400" b="1" dirty="0" err="1">
+                <a:solidFill>
+                  <a:srgbClr val="0070C0"/>
+                </a:solidFill>
+              </a:rPr>
+              <a:t>const</a:t>
+            </a:r>
+            <a:r>
+              <a:rPr lang="en-GB" sz="1400" b="1" dirty="0">
+                <a:solidFill>
+                  <a:srgbClr val="0070C0"/>
+                </a:solidFill>
+              </a:rPr>
+              <a:t> string </a:t>
+            </a:r>
+            <a:r>
+              <a:rPr lang="en-GB" sz="1400" b="1" dirty="0" err="1">
+                <a:solidFill>
+                  <a:srgbClr val="0070C0"/>
+                </a:solidFill>
+              </a:rPr>
+              <a:t>storeName</a:t>
+            </a:r>
+            <a:r>
+              <a:rPr lang="en-GB" sz="1400" b="1" dirty="0">
+                <a:solidFill>
+                  <a:srgbClr val="0070C0"/>
+                </a:solidFill>
+              </a:rPr>
+              <a:t> = "</a:t>
+            </a:r>
+            <a:r>
+              <a:rPr lang="en-GB" sz="1400" b="1" dirty="0" err="1">
+                <a:solidFill>
+                  <a:srgbClr val="0070C0"/>
+                </a:solidFill>
+              </a:rPr>
+              <a:t>statestore</a:t>
+            </a:r>
+            <a:r>
+              <a:rPr lang="en-GB" sz="1400" b="1" dirty="0">
+                <a:solidFill>
+                  <a:srgbClr val="0070C0"/>
+                </a:solidFill>
+              </a:rPr>
+              <a:t>";</a:t>
+            </a:r>
+          </a:p>
+          <a:p>
+            <a:pPr>
+              <a:lnSpc>
+                <a:spcPct val="150000"/>
+              </a:lnSpc>
+            </a:pPr>
+            <a:r>
+              <a:rPr lang="en-GB" sz="1400" dirty="0" err="1"/>
+              <a:t>const</a:t>
+            </a:r>
+            <a:r>
+              <a:rPr lang="en-GB" sz="1400" dirty="0"/>
+              <a:t> string key = "counter";</a:t>
+            </a:r>
+          </a:p>
+          <a:p>
+            <a:pPr>
+              <a:lnSpc>
+                <a:spcPct val="150000"/>
+              </a:lnSpc>
+            </a:pPr>
+            <a:endParaRPr lang="en-GB" sz="1400" dirty="0"/>
+          </a:p>
+          <a:p>
+            <a:pPr>
+              <a:lnSpc>
+                <a:spcPct val="150000"/>
+              </a:lnSpc>
+            </a:pPr>
+            <a:r>
+              <a:rPr lang="en-GB" sz="1400" dirty="0"/>
+              <a:t>var </a:t>
+            </a:r>
+            <a:r>
+              <a:rPr lang="en-GB" sz="1400" dirty="0" err="1"/>
+              <a:t>daprClient</a:t>
+            </a:r>
+            <a:r>
+              <a:rPr lang="en-GB" sz="1400" dirty="0"/>
+              <a:t> = new </a:t>
+            </a:r>
+            <a:r>
+              <a:rPr lang="en-GB" sz="1400" dirty="0" err="1"/>
+              <a:t>DaprClientBuilder</a:t>
+            </a:r>
+            <a:r>
+              <a:rPr lang="en-GB" sz="1400" dirty="0"/>
+              <a:t>().Build();</a:t>
+            </a:r>
+          </a:p>
+          <a:p>
+            <a:pPr>
+              <a:lnSpc>
+                <a:spcPct val="150000"/>
+              </a:lnSpc>
+            </a:pPr>
+            <a:r>
+              <a:rPr lang="en-GB" sz="1400" dirty="0"/>
+              <a:t>var counter = await </a:t>
+            </a:r>
+            <a:r>
+              <a:rPr lang="en-GB" sz="1400" dirty="0" err="1"/>
+              <a:t>daprClient.</a:t>
+            </a:r>
+            <a:r>
+              <a:rPr lang="en-GB" sz="1400" b="1" dirty="0" err="1">
+                <a:solidFill>
+                  <a:srgbClr val="0070C0"/>
+                </a:solidFill>
+              </a:rPr>
+              <a:t>GetStateAsync</a:t>
+            </a:r>
+            <a:r>
+              <a:rPr lang="en-GB" sz="1400" dirty="0"/>
+              <a:t>&lt;int&gt;(</a:t>
+            </a:r>
+            <a:r>
+              <a:rPr lang="en-GB" sz="1400" dirty="0" err="1"/>
+              <a:t>storeName</a:t>
+            </a:r>
+            <a:r>
+              <a:rPr lang="en-GB" sz="1400" dirty="0"/>
+              <a:t>, key);</a:t>
+            </a:r>
+          </a:p>
+          <a:p>
+            <a:pPr>
+              <a:lnSpc>
+                <a:spcPct val="150000"/>
+              </a:lnSpc>
+            </a:pPr>
+            <a:r>
+              <a:rPr lang="en-GB" sz="1400" dirty="0"/>
+              <a:t>await </a:t>
+            </a:r>
+            <a:r>
+              <a:rPr lang="en-GB" sz="1400" dirty="0" err="1"/>
+              <a:t>daprClient.</a:t>
+            </a:r>
+            <a:r>
+              <a:rPr lang="en-GB" sz="1400" b="1" dirty="0" err="1">
+                <a:solidFill>
+                  <a:srgbClr val="0070C0"/>
+                </a:solidFill>
+              </a:rPr>
+              <a:t>SaveStateAsync</a:t>
+            </a:r>
+            <a:r>
+              <a:rPr lang="en-GB" sz="1400" dirty="0"/>
+              <a:t>(</a:t>
+            </a:r>
+            <a:r>
+              <a:rPr lang="en-GB" sz="1400" dirty="0" err="1"/>
+              <a:t>storeName</a:t>
+            </a:r>
+            <a:r>
+              <a:rPr lang="en-GB" sz="1400" dirty="0"/>
+              <a:t>, key, counter);</a:t>
+            </a:r>
+          </a:p>
+        </p:txBody>
+      </p:sp>
+      <p:sp>
+        <p:nvSpPr>
+          <p:cNvPr id="5" name="직사각형 4">
+            <a:extLst>
+              <a:ext uri="{FF2B5EF4-FFF2-40B4-BE49-F238E27FC236}">
+                <a16:creationId xmlns:a16="http://schemas.microsoft.com/office/drawing/2014/main" id="{221AD188-A201-9268-AF24-E6DE12DCBC37}"/>
+              </a:ext>
+            </a:extLst>
+          </p:cNvPr>
+          <p:cNvSpPr/>
+          <p:nvPr/>
+        </p:nvSpPr>
+        <p:spPr>
+          <a:xfrm>
+            <a:off x="9556705" y="2470687"/>
+            <a:ext cx="353961" cy="320758"/>
+          </a:xfrm>
+          <a:prstGeom prst="rect">
+            <a:avLst/>
+          </a:prstGeom>
+          <a:noFill/>
+          <a:ln>
+            <a:noFill/>
+          </a:ln>
+        </p:spPr>
+        <p:style>
+          <a:lnRef idx="2">
+            <a:schemeClr val="accent1">
+              <a:shade val="50000"/>
+            </a:schemeClr>
+          </a:lnRef>
+          <a:fillRef idx="1">
+            <a:schemeClr val="accent1"/>
+          </a:fillRef>
+          <a:effectRef idx="0">
+            <a:schemeClr val="accent1"/>
+          </a:effectRef>
+          <a:fontRef idx="minor">
+            <a:schemeClr val="lt1"/>
+          </a:fontRef>
+        </p:style>
+        <p:txBody>
+          <a:bodyPr rtlCol="0" anchor="ctr"/>
+          <a:lstStyle/>
+          <a:p>
+            <a:pPr algn="ctr"/>
+            <a:endParaRPr lang="en-GB"/>
+          </a:p>
+        </p:txBody>
+      </p:sp>
+      <p:sp>
+        <p:nvSpPr>
+          <p:cNvPr id="48" name="직사각형 47">
+            <a:extLst>
+              <a:ext uri="{FF2B5EF4-FFF2-40B4-BE49-F238E27FC236}">
+                <a16:creationId xmlns:a16="http://schemas.microsoft.com/office/drawing/2014/main" id="{4E1F8E95-70CB-B60E-4082-34BAAF6E99CE}"/>
+              </a:ext>
+            </a:extLst>
+          </p:cNvPr>
+          <p:cNvSpPr/>
+          <p:nvPr/>
+        </p:nvSpPr>
+        <p:spPr>
+          <a:xfrm>
+            <a:off x="9556705" y="2922975"/>
+            <a:ext cx="353961" cy="320758"/>
+          </a:xfrm>
+          <a:prstGeom prst="rect">
+            <a:avLst/>
+          </a:prstGeom>
+          <a:noFill/>
+          <a:ln>
+            <a:noFill/>
+          </a:ln>
+        </p:spPr>
+        <p:style>
+          <a:lnRef idx="2">
+            <a:schemeClr val="accent1">
+              <a:shade val="50000"/>
+            </a:schemeClr>
+          </a:lnRef>
+          <a:fillRef idx="1">
+            <a:schemeClr val="accent1"/>
+          </a:fillRef>
+          <a:effectRef idx="0">
+            <a:schemeClr val="accent1"/>
+          </a:effectRef>
+          <a:fontRef idx="minor">
+            <a:schemeClr val="lt1"/>
+          </a:fontRef>
+        </p:style>
+        <p:txBody>
+          <a:bodyPr rtlCol="0" anchor="ctr"/>
+          <a:lstStyle/>
+          <a:p>
+            <a:pPr algn="ctr"/>
+            <a:endParaRPr lang="en-GB"/>
+          </a:p>
+        </p:txBody>
+      </p:sp>
+      <p:cxnSp>
+        <p:nvCxnSpPr>
+          <p:cNvPr id="8" name="직선 화살표 연결선 7">
+            <a:extLst>
+              <a:ext uri="{FF2B5EF4-FFF2-40B4-BE49-F238E27FC236}">
+                <a16:creationId xmlns:a16="http://schemas.microsoft.com/office/drawing/2014/main" id="{6E04EAB2-1460-3DCC-276A-BDF71DCD5A0A}"/>
+              </a:ext>
+            </a:extLst>
+          </p:cNvPr>
+          <p:cNvCxnSpPr>
+            <a:stCxn id="48" idx="2"/>
+            <a:endCxn id="49" idx="0"/>
+          </p:cNvCxnSpPr>
+          <p:nvPr/>
+        </p:nvCxnSpPr>
+        <p:spPr>
+          <a:xfrm flipH="1">
+            <a:off x="9733685" y="3243733"/>
+            <a:ext cx="1" cy="2376630"/>
+          </a:xfrm>
+          <a:prstGeom prst="straightConnector1">
+            <a:avLst/>
+          </a:prstGeom>
+          <a:ln w="57150">
+            <a:solidFill>
+              <a:schemeClr val="accent6"/>
+            </a:solidFill>
+            <a:tailEnd type="triangle"/>
+          </a:ln>
+        </p:spPr>
+        <p:style>
+          <a:lnRef idx="1">
+            <a:schemeClr val="accent1"/>
+          </a:lnRef>
+          <a:fillRef idx="0">
+            <a:schemeClr val="accent1"/>
+          </a:fillRef>
+          <a:effectRef idx="0">
+            <a:schemeClr val="accent1"/>
+          </a:effectRef>
+          <a:fontRef idx="minor">
+            <a:schemeClr val="tx1"/>
+          </a:fontRef>
+        </p:style>
+      </p:cxnSp>
+      <p:cxnSp>
+        <p:nvCxnSpPr>
+          <p:cNvPr id="10" name="연결선: 꺾임 9">
+            <a:extLst>
+              <a:ext uri="{FF2B5EF4-FFF2-40B4-BE49-F238E27FC236}">
+                <a16:creationId xmlns:a16="http://schemas.microsoft.com/office/drawing/2014/main" id="{A48F66F4-8AD1-46B2-C2DC-3D94AF13419B}"/>
+              </a:ext>
+            </a:extLst>
+          </p:cNvPr>
+          <p:cNvCxnSpPr>
+            <a:stCxn id="45" idx="3"/>
+            <a:endCxn id="5" idx="0"/>
+          </p:cNvCxnSpPr>
+          <p:nvPr/>
+        </p:nvCxnSpPr>
+        <p:spPr>
+          <a:xfrm>
+            <a:off x="8829368" y="1393595"/>
+            <a:ext cx="904318" cy="1077092"/>
+          </a:xfrm>
+          <a:prstGeom prst="bentConnector2">
+            <a:avLst/>
+          </a:prstGeom>
+          <a:ln w="57150">
+            <a:solidFill>
+              <a:schemeClr val="accent6"/>
+            </a:solidFill>
+            <a:tailEnd type="triangle"/>
+          </a:ln>
+        </p:spPr>
+        <p:style>
+          <a:lnRef idx="1">
+            <a:schemeClr val="accent1"/>
+          </a:lnRef>
+          <a:fillRef idx="0">
+            <a:schemeClr val="accent1"/>
+          </a:fillRef>
+          <a:effectRef idx="0">
+            <a:schemeClr val="accent1"/>
+          </a:effectRef>
+          <a:fontRef idx="minor">
+            <a:schemeClr val="tx1"/>
+          </a:fontRef>
+        </p:style>
+      </p:cxnSp>
+      <p:cxnSp>
+        <p:nvCxnSpPr>
+          <p:cNvPr id="19" name="직선 화살표 연결선 18">
+            <a:extLst>
+              <a:ext uri="{FF2B5EF4-FFF2-40B4-BE49-F238E27FC236}">
+                <a16:creationId xmlns:a16="http://schemas.microsoft.com/office/drawing/2014/main" id="{776B3572-6760-3BC8-FF60-D849FE054BEA}"/>
+              </a:ext>
+            </a:extLst>
+          </p:cNvPr>
+          <p:cNvCxnSpPr>
+            <a:cxnSpLocks/>
+            <a:stCxn id="29" idx="3"/>
+            <a:endCxn id="45" idx="1"/>
+          </p:cNvCxnSpPr>
+          <p:nvPr/>
+        </p:nvCxnSpPr>
+        <p:spPr>
+          <a:xfrm flipV="1">
+            <a:off x="4231769" y="1393595"/>
+            <a:ext cx="1143346" cy="771069"/>
+          </a:xfrm>
+          <a:prstGeom prst="straightConnector1">
+            <a:avLst/>
+          </a:prstGeom>
+          <a:ln w="57150">
+            <a:solidFill>
+              <a:schemeClr val="accent6"/>
+            </a:solidFill>
+            <a:tailEnd type="triangle"/>
+          </a:ln>
+        </p:spPr>
+        <p:style>
+          <a:lnRef idx="1">
+            <a:schemeClr val="accent1"/>
+          </a:lnRef>
+          <a:fillRef idx="0">
+            <a:schemeClr val="accent1"/>
+          </a:fillRef>
+          <a:effectRef idx="0">
+            <a:schemeClr val="accent1"/>
+          </a:effectRef>
+          <a:fontRef idx="minor">
+            <a:schemeClr val="tx1"/>
+          </a:fontRef>
+        </p:style>
+      </p:cxnSp>
+      <p:grpSp>
+        <p:nvGrpSpPr>
+          <p:cNvPr id="55" name="그룹 54">
+            <a:extLst>
+              <a:ext uri="{FF2B5EF4-FFF2-40B4-BE49-F238E27FC236}">
+                <a16:creationId xmlns:a16="http://schemas.microsoft.com/office/drawing/2014/main" id="{A00639F7-04EB-DBB4-143B-CC42DEA00557}"/>
+              </a:ext>
+            </a:extLst>
+          </p:cNvPr>
+          <p:cNvGrpSpPr/>
+          <p:nvPr/>
+        </p:nvGrpSpPr>
+        <p:grpSpPr>
+          <a:xfrm>
+            <a:off x="9925397" y="1496216"/>
+            <a:ext cx="1271623" cy="403435"/>
+            <a:chOff x="167819" y="1092449"/>
+            <a:chExt cx="1271623" cy="403435"/>
+          </a:xfrm>
+        </p:grpSpPr>
+        <p:sp>
+          <p:nvSpPr>
+            <p:cNvPr id="57" name="타원 56">
+              <a:extLst>
+                <a:ext uri="{FF2B5EF4-FFF2-40B4-BE49-F238E27FC236}">
+                  <a16:creationId xmlns:a16="http://schemas.microsoft.com/office/drawing/2014/main" id="{FE06DA17-BE21-2DF7-6F30-247AAE7822EB}"/>
+                </a:ext>
+              </a:extLst>
+            </p:cNvPr>
+            <p:cNvSpPr/>
+            <p:nvPr/>
+          </p:nvSpPr>
+          <p:spPr>
+            <a:xfrm>
+              <a:off x="167819" y="1092449"/>
+              <a:ext cx="393509" cy="403435"/>
+            </a:xfrm>
+            <a:prstGeom prst="ellipse">
+              <a:avLst/>
+            </a:prstGeom>
+            <a:solidFill>
+              <a:schemeClr val="tx1"/>
+            </a:solidFill>
+          </p:spPr>
+          <p:style>
+            <a:lnRef idx="2">
+              <a:schemeClr val="accent1">
+                <a:shade val="50000"/>
+              </a:schemeClr>
+            </a:lnRef>
+            <a:fillRef idx="1">
+              <a:schemeClr val="accent1"/>
+            </a:fillRef>
+            <a:effectRef idx="0">
+              <a:schemeClr val="accent1"/>
+            </a:effectRef>
+            <a:fontRef idx="minor">
+              <a:schemeClr val="lt1"/>
+            </a:fontRef>
+          </p:style>
+          <p:txBody>
+            <a:bodyPr rtlCol="0" anchor="ctr"/>
+            <a:lstStyle/>
+            <a:p>
+              <a:pPr algn="ctr"/>
+              <a:r>
+                <a:rPr lang="en-GB" b="1" dirty="0"/>
+                <a:t>3</a:t>
+              </a:r>
+            </a:p>
+          </p:txBody>
+        </p:sp>
+        <p:sp>
+          <p:nvSpPr>
+            <p:cNvPr id="58" name="TextBox 57">
+              <a:extLst>
+                <a:ext uri="{FF2B5EF4-FFF2-40B4-BE49-F238E27FC236}">
+                  <a16:creationId xmlns:a16="http://schemas.microsoft.com/office/drawing/2014/main" id="{9D9B29EC-2CBB-C792-D61F-1193FDAFCD9E}"/>
+                </a:ext>
+              </a:extLst>
+            </p:cNvPr>
+            <p:cNvSpPr txBox="1"/>
+            <p:nvPr/>
+          </p:nvSpPr>
+          <p:spPr>
+            <a:xfrm>
+              <a:off x="555867" y="1140278"/>
+              <a:ext cx="883575" cy="307777"/>
+            </a:xfrm>
+            <a:prstGeom prst="rect">
+              <a:avLst/>
+            </a:prstGeom>
+            <a:noFill/>
+          </p:spPr>
+          <p:txBody>
+            <a:bodyPr wrap="none" rtlCol="0">
+              <a:spAutoFit/>
+            </a:bodyPr>
+            <a:lstStyle/>
+            <a:p>
+              <a:r>
+                <a:rPr lang="en-GB" sz="1400" b="1" dirty="0" err="1"/>
+                <a:t>Dapr</a:t>
+              </a:r>
+              <a:r>
+                <a:rPr lang="en-GB" sz="1400" b="1" dirty="0"/>
+                <a:t> SDK</a:t>
+              </a:r>
+            </a:p>
+          </p:txBody>
+        </p:sp>
+      </p:grpSp>
+      <p:grpSp>
+        <p:nvGrpSpPr>
+          <p:cNvPr id="60" name="그룹 59">
+            <a:extLst>
+              <a:ext uri="{FF2B5EF4-FFF2-40B4-BE49-F238E27FC236}">
+                <a16:creationId xmlns:a16="http://schemas.microsoft.com/office/drawing/2014/main" id="{E3C864B3-5774-FB03-19DC-3E28AC28BFEF}"/>
+              </a:ext>
+            </a:extLst>
+          </p:cNvPr>
+          <p:cNvGrpSpPr/>
+          <p:nvPr/>
+        </p:nvGrpSpPr>
+        <p:grpSpPr>
+          <a:xfrm>
+            <a:off x="6863215" y="4102241"/>
+            <a:ext cx="1301888" cy="403435"/>
+            <a:chOff x="167819" y="1092449"/>
+            <a:chExt cx="1301888" cy="403435"/>
+          </a:xfrm>
+        </p:grpSpPr>
+        <p:sp>
+          <p:nvSpPr>
+            <p:cNvPr id="61" name="타원 60">
+              <a:extLst>
+                <a:ext uri="{FF2B5EF4-FFF2-40B4-BE49-F238E27FC236}">
+                  <a16:creationId xmlns:a16="http://schemas.microsoft.com/office/drawing/2014/main" id="{C85CA1CB-2438-99A8-A78D-E731E8B9B92F}"/>
+                </a:ext>
+              </a:extLst>
+            </p:cNvPr>
+            <p:cNvSpPr/>
+            <p:nvPr/>
+          </p:nvSpPr>
+          <p:spPr>
+            <a:xfrm>
+              <a:off x="167819" y="1092449"/>
+              <a:ext cx="393509" cy="403435"/>
+            </a:xfrm>
+            <a:prstGeom prst="ellipse">
+              <a:avLst/>
+            </a:prstGeom>
+            <a:solidFill>
+              <a:schemeClr val="tx1"/>
+            </a:solidFill>
+          </p:spPr>
+          <p:style>
+            <a:lnRef idx="2">
+              <a:schemeClr val="accent1">
+                <a:shade val="50000"/>
+              </a:schemeClr>
+            </a:lnRef>
+            <a:fillRef idx="1">
+              <a:schemeClr val="accent1"/>
+            </a:fillRef>
+            <a:effectRef idx="0">
+              <a:schemeClr val="accent1"/>
+            </a:effectRef>
+            <a:fontRef idx="minor">
+              <a:schemeClr val="lt1"/>
+            </a:fontRef>
+          </p:style>
+          <p:txBody>
+            <a:bodyPr rtlCol="0" anchor="ctr"/>
+            <a:lstStyle/>
+            <a:p>
+              <a:pPr algn="ctr"/>
+              <a:r>
+                <a:rPr lang="en-GB" b="1" dirty="0"/>
+                <a:t>2</a:t>
+              </a:r>
+            </a:p>
+          </p:txBody>
+        </p:sp>
+        <p:sp>
+          <p:nvSpPr>
+            <p:cNvPr id="62" name="TextBox 61">
+              <a:extLst>
+                <a:ext uri="{FF2B5EF4-FFF2-40B4-BE49-F238E27FC236}">
+                  <a16:creationId xmlns:a16="http://schemas.microsoft.com/office/drawing/2014/main" id="{299A496F-475E-B423-8BC8-53DCEAC70BC2}"/>
+                </a:ext>
+              </a:extLst>
+            </p:cNvPr>
+            <p:cNvSpPr txBox="1"/>
+            <p:nvPr/>
+          </p:nvSpPr>
+          <p:spPr>
+            <a:xfrm>
+              <a:off x="555867" y="1140278"/>
+              <a:ext cx="913840" cy="307777"/>
+            </a:xfrm>
+            <a:prstGeom prst="rect">
+              <a:avLst/>
+            </a:prstGeom>
+            <a:noFill/>
+          </p:spPr>
+          <p:txBody>
+            <a:bodyPr wrap="none" rtlCol="0">
+              <a:spAutoFit/>
+            </a:bodyPr>
+            <a:lstStyle/>
+            <a:p>
+              <a:r>
+                <a:rPr lang="en-GB" sz="1400" b="1" dirty="0"/>
+                <a:t>Container</a:t>
+              </a:r>
+            </a:p>
+          </p:txBody>
+        </p:sp>
+      </p:grpSp>
+    </p:spTree>
+    <p:extLst>
+      <p:ext uri="{BB962C8B-B14F-4D97-AF65-F5344CB8AC3E}">
+        <p14:creationId xmlns:p14="http://schemas.microsoft.com/office/powerpoint/2010/main" val="2008735877"/>
       </p:ext>
     </p:extLst>
   </p:cSld>
